--- a/Лекции/ИТиП 2 лек 3.pptx
+++ b/Лекции/ИТиП 2 лек 3.pptx
@@ -287,7 +287,7 @@
             <a:fld id="{AA2F9473-F066-431E-A6E8-1D478C995A6B}" type="datetimeFigureOut">
               <a:rPr lang="en-US" smtClean="0"/>
               <a:pPr/>
-              <a:t>3/9/2025</a:t>
+              <a:t>3/10/2025</a:t>
             </a:fld>
             <a:endParaRPr lang="en-US"/>
           </a:p>
@@ -34529,31 +34529,7 @@
                 <a:latin typeface="Bookman Old Style" panose="02050604050505020204" pitchFamily="18" charset="0"/>
                 <a:cs typeface="Times New Roman" panose="02020603050405020304" pitchFamily="18" charset="0"/>
               </a:rPr>
-              <a:t>Сравнение полиморфизма </a:t>
-            </a:r>
-            <a:r>
-              <a:rPr lang="ru-RU" sz="2800" b="1" dirty="0" smtClean="0">
-                <a:solidFill>
-                  <a:schemeClr val="tx2">
-                    <a:lumMod val="50000"/>
-                  </a:schemeClr>
-                </a:solidFill>
-                <a:latin typeface="Bookman Old Style" panose="02050604050505020204" pitchFamily="18" charset="0"/>
-                <a:cs typeface="Times New Roman" panose="02020603050405020304" pitchFamily="18" charset="0"/>
-              </a:rPr>
-              <a:t>подтипов и </a:t>
-            </a:r>
-            <a:r>
-              <a:rPr lang="ru-RU" sz="2800" b="1" dirty="0" smtClean="0">
-                <a:solidFill>
-                  <a:schemeClr val="tx2">
-                    <a:lumMod val="50000"/>
-                  </a:schemeClr>
-                </a:solidFill>
-                <a:latin typeface="Bookman Old Style" panose="02050604050505020204" pitchFamily="18" charset="0"/>
-                <a:cs typeface="Times New Roman" panose="02020603050405020304" pitchFamily="18" charset="0"/>
-              </a:rPr>
-              <a:t>сокрытия</a:t>
+              <a:t>Сравнение полиморфизма подтипов и сокрытия</a:t>
             </a:r>
             <a:endParaRPr lang="en-US" sz="2800" b="1" dirty="0">
               <a:solidFill>

--- a/Лекции/ИТиП 2 лек 3.pptx
+++ b/Лекции/ИТиП 2 лек 3.pptx
@@ -287,7 +287,7 @@
             <a:fld id="{AA2F9473-F066-431E-A6E8-1D478C995A6B}" type="datetimeFigureOut">
               <a:rPr lang="en-US" smtClean="0"/>
               <a:pPr/>
-              <a:t>3/10/2025</a:t>
+              <a:t>3/12/2025</a:t>
             </a:fld>
             <a:endParaRPr lang="en-US"/>
           </a:p>
@@ -8925,8 +8925,8 @@
         </p:nvSpPr>
         <p:spPr>
           <a:xfrm>
-            <a:off x="139700" y="-266700"/>
-            <a:ext cx="12052300" cy="7848302"/>
+            <a:off x="139700" y="0"/>
+            <a:ext cx="12052300" cy="7478970"/>
           </a:xfrm>
           <a:prstGeom prst="rect">
             <a:avLst/>
@@ -8937,17 +8937,6 @@
             <a:spAutoFit/>
           </a:bodyPr>
           <a:lstStyle/>
-          <a:p>
-            <a:endParaRPr lang="ru-RU" sz="2400" dirty="0" smtClean="0">
-              <a:solidFill>
-                <a:srgbClr val="000000"/>
-              </a:solidFill>
-              <a:highlight>
-                <a:srgbClr val="FFFFFF"/>
-              </a:highlight>
-              <a:latin typeface="Cascadia Mono" panose="020B0609020000020004" pitchFamily="49" charset="0"/>
-            </a:endParaRPr>
-          </a:p>
           <a:p>
             <a:r>
               <a:rPr lang="ru-RU" sz="2400" dirty="0" smtClean="0">
@@ -11302,7 +11291,8 @@
                 <a:solidFill>
                   <a:srgbClr val="0000FF"/>
                 </a:solidFill>
-                <a:latin typeface="Consolas" panose="020B0609020204030204" pitchFamily="49" charset="0"/>
+                <a:latin typeface="Cascadia Mono" panose="020B0609020000020004" pitchFamily="49" charset="0"/>
+                <a:cs typeface="Cascadia Mono" panose="020B0609020000020004" pitchFamily="49" charset="0"/>
               </a:rPr>
               <a:t>int</a:t>
             </a:r>
@@ -11311,7 +11301,8 @@
                 <a:solidFill>
                   <a:srgbClr val="000000"/>
                 </a:solidFill>
-                <a:latin typeface="Consolas" panose="020B0609020204030204" pitchFamily="49" charset="0"/>
+                <a:latin typeface="Cascadia Mono" panose="020B0609020000020004" pitchFamily="49" charset="0"/>
+                <a:cs typeface="Cascadia Mono" panose="020B0609020000020004" pitchFamily="49" charset="0"/>
               </a:rPr>
               <a:t> </a:t>
             </a:r>
@@ -11320,7 +11311,8 @@
                 <a:solidFill>
                   <a:srgbClr val="795E26"/>
                 </a:solidFill>
-                <a:latin typeface="Consolas" panose="020B0609020204030204" pitchFamily="49" charset="0"/>
+                <a:latin typeface="Cascadia Mono" panose="020B0609020000020004" pitchFamily="49" charset="0"/>
+                <a:cs typeface="Cascadia Mono" panose="020B0609020000020004" pitchFamily="49" charset="0"/>
               </a:rPr>
               <a:t>Add</a:t>
             </a:r>
@@ -11329,7 +11321,8 @@
                 <a:solidFill>
                   <a:srgbClr val="222222"/>
                 </a:solidFill>
-                <a:latin typeface="Consolas" panose="020B0609020204030204" pitchFamily="49" charset="0"/>
+                <a:latin typeface="Cascadia Mono" panose="020B0609020000020004" pitchFamily="49" charset="0"/>
+                <a:cs typeface="Cascadia Mono" panose="020B0609020000020004" pitchFamily="49" charset="0"/>
               </a:rPr>
               <a:t>(</a:t>
             </a:r>
@@ -11338,7 +11331,8 @@
                 <a:solidFill>
                   <a:srgbClr val="0000FF"/>
                 </a:solidFill>
-                <a:latin typeface="Consolas" panose="020B0609020204030204" pitchFamily="49" charset="0"/>
+                <a:latin typeface="Cascadia Mono" panose="020B0609020000020004" pitchFamily="49" charset="0"/>
+                <a:cs typeface="Cascadia Mono" panose="020B0609020000020004" pitchFamily="49" charset="0"/>
               </a:rPr>
               <a:t>int</a:t>
             </a:r>
@@ -11347,7 +11341,8 @@
                 <a:solidFill>
                   <a:srgbClr val="000000"/>
                 </a:solidFill>
-                <a:latin typeface="Consolas" panose="020B0609020204030204" pitchFamily="49" charset="0"/>
+                <a:latin typeface="Cascadia Mono" panose="020B0609020000020004" pitchFamily="49" charset="0"/>
+                <a:cs typeface="Cascadia Mono" panose="020B0609020000020004" pitchFamily="49" charset="0"/>
               </a:rPr>
               <a:t> </a:t>
             </a:r>
@@ -11356,7 +11351,8 @@
                 <a:solidFill>
                   <a:srgbClr val="001080"/>
                 </a:solidFill>
-                <a:latin typeface="Consolas" panose="020B0609020204030204" pitchFamily="49" charset="0"/>
+                <a:latin typeface="Cascadia Mono" panose="020B0609020000020004" pitchFamily="49" charset="0"/>
+                <a:cs typeface="Cascadia Mono" panose="020B0609020000020004" pitchFamily="49" charset="0"/>
               </a:rPr>
               <a:t>a</a:t>
             </a:r>
@@ -11365,7 +11361,8 @@
                 <a:solidFill>
                   <a:srgbClr val="222222"/>
                 </a:solidFill>
-                <a:latin typeface="Consolas" panose="020B0609020204030204" pitchFamily="49" charset="0"/>
+                <a:latin typeface="Cascadia Mono" panose="020B0609020000020004" pitchFamily="49" charset="0"/>
+                <a:cs typeface="Cascadia Mono" panose="020B0609020000020004" pitchFamily="49" charset="0"/>
               </a:rPr>
               <a:t>,</a:t>
             </a:r>
@@ -11374,7 +11371,8 @@
                 <a:solidFill>
                   <a:srgbClr val="000000"/>
                 </a:solidFill>
-                <a:latin typeface="Consolas" panose="020B0609020204030204" pitchFamily="49" charset="0"/>
+                <a:latin typeface="Cascadia Mono" panose="020B0609020000020004" pitchFamily="49" charset="0"/>
+                <a:cs typeface="Cascadia Mono" panose="020B0609020000020004" pitchFamily="49" charset="0"/>
               </a:rPr>
               <a:t> </a:t>
             </a:r>
@@ -11383,7 +11381,8 @@
                 <a:solidFill>
                   <a:srgbClr val="0000FF"/>
                 </a:solidFill>
-                <a:latin typeface="Consolas" panose="020B0609020204030204" pitchFamily="49" charset="0"/>
+                <a:latin typeface="Cascadia Mono" panose="020B0609020000020004" pitchFamily="49" charset="0"/>
+                <a:cs typeface="Cascadia Mono" panose="020B0609020000020004" pitchFamily="49" charset="0"/>
               </a:rPr>
               <a:t>int</a:t>
             </a:r>
@@ -11392,7 +11391,8 @@
                 <a:solidFill>
                   <a:srgbClr val="000000"/>
                 </a:solidFill>
-                <a:latin typeface="Consolas" panose="020B0609020204030204" pitchFamily="49" charset="0"/>
+                <a:latin typeface="Cascadia Mono" panose="020B0609020000020004" pitchFamily="49" charset="0"/>
+                <a:cs typeface="Cascadia Mono" panose="020B0609020000020004" pitchFamily="49" charset="0"/>
               </a:rPr>
               <a:t> </a:t>
             </a:r>
@@ -11401,7 +11401,8 @@
                 <a:solidFill>
                   <a:srgbClr val="001080"/>
                 </a:solidFill>
-                <a:latin typeface="Consolas" panose="020B0609020204030204" pitchFamily="49" charset="0"/>
+                <a:latin typeface="Cascadia Mono" panose="020B0609020000020004" pitchFamily="49" charset="0"/>
+                <a:cs typeface="Cascadia Mono" panose="020B0609020000020004" pitchFamily="49" charset="0"/>
               </a:rPr>
               <a:t>b</a:t>
             </a:r>
@@ -11410,7 +11411,8 @@
                 <a:solidFill>
                   <a:srgbClr val="222222"/>
                 </a:solidFill>
-                <a:latin typeface="Consolas" panose="020B0609020204030204" pitchFamily="49" charset="0"/>
+                <a:latin typeface="Cascadia Mono" panose="020B0609020000020004" pitchFamily="49" charset="0"/>
+                <a:cs typeface="Cascadia Mono" panose="020B0609020000020004" pitchFamily="49" charset="0"/>
               </a:rPr>
               <a:t>) </a:t>
             </a:r>
@@ -11419,7 +11421,8 @@
                 <a:solidFill>
                   <a:srgbClr val="000000"/>
                 </a:solidFill>
-                <a:latin typeface="Consolas" panose="020B0609020204030204" pitchFamily="49" charset="0"/>
+                <a:latin typeface="Cascadia Mono" panose="020B0609020000020004" pitchFamily="49" charset="0"/>
+                <a:cs typeface="Cascadia Mono" panose="020B0609020000020004" pitchFamily="49" charset="0"/>
               </a:rPr>
               <a:t>=&gt; </a:t>
             </a:r>
@@ -11428,7 +11431,8 @@
                 <a:solidFill>
                   <a:srgbClr val="001080"/>
                 </a:solidFill>
-                <a:latin typeface="Consolas" panose="020B0609020204030204" pitchFamily="49" charset="0"/>
+                <a:latin typeface="Cascadia Mono" panose="020B0609020000020004" pitchFamily="49" charset="0"/>
+                <a:cs typeface="Cascadia Mono" panose="020B0609020000020004" pitchFamily="49" charset="0"/>
               </a:rPr>
               <a:t>a</a:t>
             </a:r>
@@ -11437,7 +11441,8 @@
                 <a:solidFill>
                   <a:srgbClr val="000000"/>
                 </a:solidFill>
-                <a:latin typeface="Consolas" panose="020B0609020204030204" pitchFamily="49" charset="0"/>
+                <a:latin typeface="Cascadia Mono" panose="020B0609020000020004" pitchFamily="49" charset="0"/>
+                <a:cs typeface="Cascadia Mono" panose="020B0609020000020004" pitchFamily="49" charset="0"/>
               </a:rPr>
               <a:t> + </a:t>
             </a:r>
@@ -11446,7 +11451,8 @@
                 <a:solidFill>
                   <a:srgbClr val="001080"/>
                 </a:solidFill>
-                <a:latin typeface="Consolas" panose="020B0609020204030204" pitchFamily="49" charset="0"/>
+                <a:latin typeface="Cascadia Mono" panose="020B0609020000020004" pitchFamily="49" charset="0"/>
+                <a:cs typeface="Cascadia Mono" panose="020B0609020000020004" pitchFamily="49" charset="0"/>
               </a:rPr>
               <a:t>b</a:t>
             </a:r>
@@ -11455,7 +11461,8 @@
                 <a:solidFill>
                   <a:srgbClr val="222222"/>
                 </a:solidFill>
-                <a:latin typeface="Consolas" panose="020B0609020204030204" pitchFamily="49" charset="0"/>
+                <a:latin typeface="Cascadia Mono" panose="020B0609020000020004" pitchFamily="49" charset="0"/>
+                <a:cs typeface="Cascadia Mono" panose="020B0609020000020004" pitchFamily="49" charset="0"/>
               </a:rPr>
               <a:t>;</a:t>
             </a:r>
@@ -11464,7 +11471,8 @@
                 <a:solidFill>
                   <a:srgbClr val="000000"/>
                 </a:solidFill>
-                <a:latin typeface="Consolas" panose="020B0609020204030204" pitchFamily="49" charset="0"/>
+                <a:latin typeface="Cascadia Mono" panose="020B0609020000020004" pitchFamily="49" charset="0"/>
+                <a:cs typeface="Cascadia Mono" panose="020B0609020000020004" pitchFamily="49" charset="0"/>
               </a:rPr>
               <a:t/>
             </a:r>
@@ -11473,7 +11481,8 @@
                 <a:solidFill>
                   <a:srgbClr val="000000"/>
                 </a:solidFill>
-                <a:latin typeface="Consolas" panose="020B0609020204030204" pitchFamily="49" charset="0"/>
+                <a:latin typeface="Cascadia Mono" panose="020B0609020000020004" pitchFamily="49" charset="0"/>
+                <a:cs typeface="Cascadia Mono" panose="020B0609020000020004" pitchFamily="49" charset="0"/>
               </a:rPr>
             </a:br>
             <a:r>
@@ -11481,7 +11490,8 @@
                 <a:solidFill>
                   <a:srgbClr val="0000FF"/>
                 </a:solidFill>
-                <a:latin typeface="Consolas" panose="020B0609020204030204" pitchFamily="49" charset="0"/>
+                <a:latin typeface="Cascadia Mono" panose="020B0609020000020004" pitchFamily="49" charset="0"/>
+                <a:cs typeface="Cascadia Mono" panose="020B0609020000020004" pitchFamily="49" charset="0"/>
               </a:rPr>
               <a:t>double</a:t>
             </a:r>
@@ -11490,7 +11500,8 @@
                 <a:solidFill>
                   <a:srgbClr val="000000"/>
                 </a:solidFill>
-                <a:latin typeface="Consolas" panose="020B0609020204030204" pitchFamily="49" charset="0"/>
+                <a:latin typeface="Cascadia Mono" panose="020B0609020000020004" pitchFamily="49" charset="0"/>
+                <a:cs typeface="Cascadia Mono" panose="020B0609020000020004" pitchFamily="49" charset="0"/>
               </a:rPr>
               <a:t> </a:t>
             </a:r>
@@ -11499,7 +11510,8 @@
                 <a:solidFill>
                   <a:srgbClr val="795E26"/>
                 </a:solidFill>
-                <a:latin typeface="Consolas" panose="020B0609020204030204" pitchFamily="49" charset="0"/>
+                <a:latin typeface="Cascadia Mono" panose="020B0609020000020004" pitchFamily="49" charset="0"/>
+                <a:cs typeface="Cascadia Mono" panose="020B0609020000020004" pitchFamily="49" charset="0"/>
               </a:rPr>
               <a:t>Add</a:t>
             </a:r>
@@ -11508,7 +11520,8 @@
                 <a:solidFill>
                   <a:srgbClr val="222222"/>
                 </a:solidFill>
-                <a:latin typeface="Consolas" panose="020B0609020204030204" pitchFamily="49" charset="0"/>
+                <a:latin typeface="Cascadia Mono" panose="020B0609020000020004" pitchFamily="49" charset="0"/>
+                <a:cs typeface="Cascadia Mono" panose="020B0609020000020004" pitchFamily="49" charset="0"/>
               </a:rPr>
               <a:t>(</a:t>
             </a:r>
@@ -11517,7 +11530,8 @@
                 <a:solidFill>
                   <a:srgbClr val="0000FF"/>
                 </a:solidFill>
-                <a:latin typeface="Consolas" panose="020B0609020204030204" pitchFamily="49" charset="0"/>
+                <a:latin typeface="Cascadia Mono" panose="020B0609020000020004" pitchFamily="49" charset="0"/>
+                <a:cs typeface="Cascadia Mono" panose="020B0609020000020004" pitchFamily="49" charset="0"/>
               </a:rPr>
               <a:t>double</a:t>
             </a:r>
@@ -11526,7 +11540,8 @@
                 <a:solidFill>
                   <a:srgbClr val="000000"/>
                 </a:solidFill>
-                <a:latin typeface="Consolas" panose="020B0609020204030204" pitchFamily="49" charset="0"/>
+                <a:latin typeface="Cascadia Mono" panose="020B0609020000020004" pitchFamily="49" charset="0"/>
+                <a:cs typeface="Cascadia Mono" panose="020B0609020000020004" pitchFamily="49" charset="0"/>
               </a:rPr>
               <a:t> </a:t>
             </a:r>
@@ -11535,7 +11550,8 @@
                 <a:solidFill>
                   <a:srgbClr val="001080"/>
                 </a:solidFill>
-                <a:latin typeface="Consolas" panose="020B0609020204030204" pitchFamily="49" charset="0"/>
+                <a:latin typeface="Cascadia Mono" panose="020B0609020000020004" pitchFamily="49" charset="0"/>
+                <a:cs typeface="Cascadia Mono" panose="020B0609020000020004" pitchFamily="49" charset="0"/>
               </a:rPr>
               <a:t>a</a:t>
             </a:r>
@@ -11544,7 +11560,8 @@
                 <a:solidFill>
                   <a:srgbClr val="222222"/>
                 </a:solidFill>
-                <a:latin typeface="Consolas" panose="020B0609020204030204" pitchFamily="49" charset="0"/>
+                <a:latin typeface="Cascadia Mono" panose="020B0609020000020004" pitchFamily="49" charset="0"/>
+                <a:cs typeface="Cascadia Mono" panose="020B0609020000020004" pitchFamily="49" charset="0"/>
               </a:rPr>
               <a:t>,</a:t>
             </a:r>
@@ -11553,7 +11570,8 @@
                 <a:solidFill>
                   <a:srgbClr val="000000"/>
                 </a:solidFill>
-                <a:latin typeface="Consolas" panose="020B0609020204030204" pitchFamily="49" charset="0"/>
+                <a:latin typeface="Cascadia Mono" panose="020B0609020000020004" pitchFamily="49" charset="0"/>
+                <a:cs typeface="Cascadia Mono" panose="020B0609020000020004" pitchFamily="49" charset="0"/>
               </a:rPr>
               <a:t> </a:t>
             </a:r>
@@ -11562,7 +11580,8 @@
                 <a:solidFill>
                   <a:srgbClr val="0000FF"/>
                 </a:solidFill>
-                <a:latin typeface="Consolas" panose="020B0609020204030204" pitchFamily="49" charset="0"/>
+                <a:latin typeface="Cascadia Mono" panose="020B0609020000020004" pitchFamily="49" charset="0"/>
+                <a:cs typeface="Cascadia Mono" panose="020B0609020000020004" pitchFamily="49" charset="0"/>
               </a:rPr>
               <a:t>double</a:t>
             </a:r>
@@ -11571,7 +11590,8 @@
                 <a:solidFill>
                   <a:srgbClr val="000000"/>
                 </a:solidFill>
-                <a:latin typeface="Consolas" panose="020B0609020204030204" pitchFamily="49" charset="0"/>
+                <a:latin typeface="Cascadia Mono" panose="020B0609020000020004" pitchFamily="49" charset="0"/>
+                <a:cs typeface="Cascadia Mono" panose="020B0609020000020004" pitchFamily="49" charset="0"/>
               </a:rPr>
               <a:t> </a:t>
             </a:r>
@@ -11580,7 +11600,8 @@
                 <a:solidFill>
                   <a:srgbClr val="001080"/>
                 </a:solidFill>
-                <a:latin typeface="Consolas" panose="020B0609020204030204" pitchFamily="49" charset="0"/>
+                <a:latin typeface="Cascadia Mono" panose="020B0609020000020004" pitchFamily="49" charset="0"/>
+                <a:cs typeface="Cascadia Mono" panose="020B0609020000020004" pitchFamily="49" charset="0"/>
               </a:rPr>
               <a:t>b</a:t>
             </a:r>
@@ -11589,7 +11610,8 @@
                 <a:solidFill>
                   <a:srgbClr val="222222"/>
                 </a:solidFill>
-                <a:latin typeface="Consolas" panose="020B0609020204030204" pitchFamily="49" charset="0"/>
+                <a:latin typeface="Cascadia Mono" panose="020B0609020000020004" pitchFamily="49" charset="0"/>
+                <a:cs typeface="Cascadia Mono" panose="020B0609020000020004" pitchFamily="49" charset="0"/>
               </a:rPr>
               <a:t>) =&gt; a + b;</a:t>
             </a:r>
@@ -11598,7 +11620,8 @@
                 <a:solidFill>
                   <a:srgbClr val="000000"/>
                 </a:solidFill>
-                <a:latin typeface="Consolas" panose="020B0609020204030204" pitchFamily="49" charset="0"/>
+                <a:latin typeface="Cascadia Mono" panose="020B0609020000020004" pitchFamily="49" charset="0"/>
+                <a:cs typeface="Cascadia Mono" panose="020B0609020000020004" pitchFamily="49" charset="0"/>
               </a:rPr>
               <a:t/>
             </a:r>
@@ -11607,7 +11630,8 @@
                 <a:solidFill>
                   <a:srgbClr val="000000"/>
                 </a:solidFill>
-                <a:latin typeface="Consolas" panose="020B0609020204030204" pitchFamily="49" charset="0"/>
+                <a:latin typeface="Cascadia Mono" panose="020B0609020000020004" pitchFamily="49" charset="0"/>
+                <a:cs typeface="Cascadia Mono" panose="020B0609020000020004" pitchFamily="49" charset="0"/>
               </a:rPr>
             </a:br>
             <a:r>
@@ -11615,7 +11639,8 @@
                 <a:solidFill>
                   <a:srgbClr val="0000FF"/>
                 </a:solidFill>
-                <a:latin typeface="Consolas" panose="020B0609020204030204" pitchFamily="49" charset="0"/>
+                <a:latin typeface="Cascadia Mono" panose="020B0609020000020004" pitchFamily="49" charset="0"/>
+                <a:cs typeface="Cascadia Mono" panose="020B0609020000020004" pitchFamily="49" charset="0"/>
               </a:rPr>
               <a:t>int</a:t>
             </a:r>
@@ -11624,7 +11649,8 @@
                 <a:solidFill>
                   <a:srgbClr val="000000"/>
                 </a:solidFill>
-                <a:latin typeface="Consolas" panose="020B0609020204030204" pitchFamily="49" charset="0"/>
+                <a:latin typeface="Cascadia Mono" panose="020B0609020000020004" pitchFamily="49" charset="0"/>
+                <a:cs typeface="Cascadia Mono" panose="020B0609020000020004" pitchFamily="49" charset="0"/>
               </a:rPr>
               <a:t> </a:t>
             </a:r>
@@ -11633,7 +11659,8 @@
                 <a:solidFill>
                   <a:srgbClr val="795E26"/>
                 </a:solidFill>
-                <a:latin typeface="Consolas" panose="020B0609020204030204" pitchFamily="49" charset="0"/>
+                <a:latin typeface="Cascadia Mono" panose="020B0609020000020004" pitchFamily="49" charset="0"/>
+                <a:cs typeface="Cascadia Mono" panose="020B0609020000020004" pitchFamily="49" charset="0"/>
               </a:rPr>
               <a:t>Add</a:t>
             </a:r>
@@ -11642,7 +11669,8 @@
                 <a:solidFill>
                   <a:srgbClr val="222222"/>
                 </a:solidFill>
-                <a:latin typeface="Consolas" panose="020B0609020204030204" pitchFamily="49" charset="0"/>
+                <a:latin typeface="Cascadia Mono" panose="020B0609020000020004" pitchFamily="49" charset="0"/>
+                <a:cs typeface="Cascadia Mono" panose="020B0609020000020004" pitchFamily="49" charset="0"/>
               </a:rPr>
               <a:t>(</a:t>
             </a:r>
@@ -11651,7 +11679,8 @@
                 <a:solidFill>
                   <a:srgbClr val="0000FF"/>
                 </a:solidFill>
-                <a:latin typeface="Consolas" panose="020B0609020204030204" pitchFamily="49" charset="0"/>
+                <a:latin typeface="Cascadia Mono" panose="020B0609020000020004" pitchFamily="49" charset="0"/>
+                <a:cs typeface="Cascadia Mono" panose="020B0609020000020004" pitchFamily="49" charset="0"/>
               </a:rPr>
               <a:t>int</a:t>
             </a:r>
@@ -11660,7 +11689,8 @@
                 <a:solidFill>
                   <a:srgbClr val="000000"/>
                 </a:solidFill>
-                <a:latin typeface="Consolas" panose="020B0609020204030204" pitchFamily="49" charset="0"/>
+                <a:latin typeface="Cascadia Mono" panose="020B0609020000020004" pitchFamily="49" charset="0"/>
+                <a:cs typeface="Cascadia Mono" panose="020B0609020000020004" pitchFamily="49" charset="0"/>
               </a:rPr>
               <a:t> </a:t>
             </a:r>
@@ -11669,7 +11699,8 @@
                 <a:solidFill>
                   <a:srgbClr val="001080"/>
                 </a:solidFill>
-                <a:latin typeface="Consolas" panose="020B0609020204030204" pitchFamily="49" charset="0"/>
+                <a:latin typeface="Cascadia Mono" panose="020B0609020000020004" pitchFamily="49" charset="0"/>
+                <a:cs typeface="Cascadia Mono" panose="020B0609020000020004" pitchFamily="49" charset="0"/>
               </a:rPr>
               <a:t>a</a:t>
             </a:r>
@@ -11678,7 +11709,8 @@
                 <a:solidFill>
                   <a:srgbClr val="222222"/>
                 </a:solidFill>
-                <a:latin typeface="Consolas" panose="020B0609020204030204" pitchFamily="49" charset="0"/>
+                <a:latin typeface="Cascadia Mono" panose="020B0609020000020004" pitchFamily="49" charset="0"/>
+                <a:cs typeface="Cascadia Mono" panose="020B0609020000020004" pitchFamily="49" charset="0"/>
               </a:rPr>
               <a:t>,</a:t>
             </a:r>
@@ -11687,7 +11719,8 @@
                 <a:solidFill>
                   <a:srgbClr val="000000"/>
                 </a:solidFill>
-                <a:latin typeface="Consolas" panose="020B0609020204030204" pitchFamily="49" charset="0"/>
+                <a:latin typeface="Cascadia Mono" panose="020B0609020000020004" pitchFamily="49" charset="0"/>
+                <a:cs typeface="Cascadia Mono" panose="020B0609020000020004" pitchFamily="49" charset="0"/>
               </a:rPr>
               <a:t> </a:t>
             </a:r>
@@ -11696,7 +11729,8 @@
                 <a:solidFill>
                   <a:srgbClr val="0000FF"/>
                 </a:solidFill>
-                <a:latin typeface="Consolas" panose="020B0609020204030204" pitchFamily="49" charset="0"/>
+                <a:latin typeface="Cascadia Mono" panose="020B0609020000020004" pitchFamily="49" charset="0"/>
+                <a:cs typeface="Cascadia Mono" panose="020B0609020000020004" pitchFamily="49" charset="0"/>
               </a:rPr>
               <a:t>int</a:t>
             </a:r>
@@ -11705,7 +11739,8 @@
                 <a:solidFill>
                   <a:srgbClr val="000000"/>
                 </a:solidFill>
-                <a:latin typeface="Consolas" panose="020B0609020204030204" pitchFamily="49" charset="0"/>
+                <a:latin typeface="Cascadia Mono" panose="020B0609020000020004" pitchFamily="49" charset="0"/>
+                <a:cs typeface="Cascadia Mono" panose="020B0609020000020004" pitchFamily="49" charset="0"/>
               </a:rPr>
               <a:t> </a:t>
             </a:r>
@@ -11714,7 +11749,8 @@
                 <a:solidFill>
                   <a:srgbClr val="001080"/>
                 </a:solidFill>
-                <a:latin typeface="Consolas" panose="020B0609020204030204" pitchFamily="49" charset="0"/>
+                <a:latin typeface="Cascadia Mono" panose="020B0609020000020004" pitchFamily="49" charset="0"/>
+                <a:cs typeface="Cascadia Mono" panose="020B0609020000020004" pitchFamily="49" charset="0"/>
               </a:rPr>
               <a:t>b</a:t>
             </a:r>
@@ -11723,7 +11759,8 @@
                 <a:solidFill>
                   <a:srgbClr val="222222"/>
                 </a:solidFill>
-                <a:latin typeface="Consolas" panose="020B0609020204030204" pitchFamily="49" charset="0"/>
+                <a:latin typeface="Cascadia Mono" panose="020B0609020000020004" pitchFamily="49" charset="0"/>
+                <a:cs typeface="Cascadia Mono" panose="020B0609020000020004" pitchFamily="49" charset="0"/>
               </a:rPr>
               <a:t>,</a:t>
             </a:r>
@@ -11732,7 +11769,8 @@
                 <a:solidFill>
                   <a:srgbClr val="000000"/>
                 </a:solidFill>
-                <a:latin typeface="Consolas" panose="020B0609020204030204" pitchFamily="49" charset="0"/>
+                <a:latin typeface="Cascadia Mono" panose="020B0609020000020004" pitchFamily="49" charset="0"/>
+                <a:cs typeface="Cascadia Mono" panose="020B0609020000020004" pitchFamily="49" charset="0"/>
               </a:rPr>
               <a:t> </a:t>
             </a:r>
@@ -11741,7 +11779,8 @@
                 <a:solidFill>
                   <a:srgbClr val="0000FF"/>
                 </a:solidFill>
-                <a:latin typeface="Consolas" panose="020B0609020204030204" pitchFamily="49" charset="0"/>
+                <a:latin typeface="Cascadia Mono" panose="020B0609020000020004" pitchFamily="49" charset="0"/>
+                <a:cs typeface="Cascadia Mono" panose="020B0609020000020004" pitchFamily="49" charset="0"/>
               </a:rPr>
               <a:t>int</a:t>
             </a:r>
@@ -11750,7 +11789,8 @@
                 <a:solidFill>
                   <a:srgbClr val="000000"/>
                 </a:solidFill>
-                <a:latin typeface="Consolas" panose="020B0609020204030204" pitchFamily="49" charset="0"/>
+                <a:latin typeface="Cascadia Mono" panose="020B0609020000020004" pitchFamily="49" charset="0"/>
+                <a:cs typeface="Cascadia Mono" panose="020B0609020000020004" pitchFamily="49" charset="0"/>
               </a:rPr>
               <a:t> </a:t>
             </a:r>
@@ -11759,7 +11799,8 @@
                 <a:solidFill>
                   <a:srgbClr val="001080"/>
                 </a:solidFill>
-                <a:latin typeface="Consolas" panose="020B0609020204030204" pitchFamily="49" charset="0"/>
+                <a:latin typeface="Cascadia Mono" panose="020B0609020000020004" pitchFamily="49" charset="0"/>
+                <a:cs typeface="Cascadia Mono" panose="020B0609020000020004" pitchFamily="49" charset="0"/>
               </a:rPr>
               <a:t>c</a:t>
             </a:r>
@@ -11768,44 +11809,66 @@
                 <a:solidFill>
                   <a:srgbClr val="222222"/>
                 </a:solidFill>
-                <a:latin typeface="Consolas" panose="020B0609020204030204" pitchFamily="49" charset="0"/>
-              </a:rPr>
-              <a:t>) =&gt; a + b + c;</a:t>
-            </a:r>
-          </a:p>
-          <a:p>
+                <a:latin typeface="Cascadia Mono" panose="020B0609020000020004" pitchFamily="49" charset="0"/>
+                <a:cs typeface="Cascadia Mono" panose="020B0609020000020004" pitchFamily="49" charset="0"/>
+              </a:rPr>
+              <a:t>) =&gt; a + b + c</a:t>
+            </a:r>
+            <a:r>
+              <a:rPr lang="en-US" sz="2400" dirty="0" smtClean="0">
+                <a:solidFill>
+                  <a:srgbClr val="222222"/>
+                </a:solidFill>
+                <a:latin typeface="Cascadia Mono" panose="020B0609020000020004" pitchFamily="49" charset="0"/>
+                <a:cs typeface="Cascadia Mono" panose="020B0609020000020004" pitchFamily="49" charset="0"/>
+              </a:rPr>
+              <a:t>;</a:t>
+            </a:r>
             <a:endParaRPr lang="en-US" sz="2400" b="1" dirty="0">
               <a:solidFill>
                 <a:srgbClr val="222222"/>
               </a:solidFill>
-              <a:latin typeface="Consolas" panose="020B0609020204030204" pitchFamily="49" charset="0"/>
+              <a:latin typeface="Cascadia Mono" panose="020B0609020000020004" pitchFamily="49" charset="0"/>
+              <a:cs typeface="Cascadia Mono" panose="020B0609020000020004" pitchFamily="49" charset="0"/>
             </a:endParaRPr>
           </a:p>
           <a:p>
+            <a:endParaRPr lang="en-US" sz="2400" dirty="0" smtClean="0">
+              <a:solidFill>
+                <a:srgbClr val="2B91AF"/>
+              </a:solidFill>
+              <a:latin typeface="Cascadia Mono" panose="020B0609020000020004" pitchFamily="49" charset="0"/>
+              <a:cs typeface="Cascadia Mono" panose="020B0609020000020004" pitchFamily="49" charset="0"/>
+            </a:endParaRPr>
+          </a:p>
+          <a:p>
             <a:r>
               <a:rPr lang="en-US" sz="2400" dirty="0" err="1" smtClean="0">
                 <a:solidFill>
+                  <a:srgbClr val="2B91AF"/>
+                </a:solidFill>
+                <a:latin typeface="Cascadia Mono" panose="020B0609020000020004" pitchFamily="49" charset="0"/>
+                <a:cs typeface="Cascadia Mono" panose="020B0609020000020004" pitchFamily="49" charset="0"/>
+              </a:rPr>
+              <a:t>Console</a:t>
+            </a:r>
+            <a:r>
+              <a:rPr lang="en-US" sz="2400" dirty="0" err="1" smtClean="0">
+                <a:solidFill>
+                  <a:srgbClr val="000000"/>
+                </a:solidFill>
+                <a:latin typeface="Cascadia Mono" panose="020B0609020000020004" pitchFamily="49" charset="0"/>
+                <a:cs typeface="Cascadia Mono" panose="020B0609020000020004" pitchFamily="49" charset="0"/>
+              </a:rPr>
+              <a:t>.</a:t>
+            </a:r>
+            <a:r>
+              <a:rPr lang="en-US" sz="2400" dirty="0" err="1" smtClean="0">
+                <a:solidFill>
                   <a:srgbClr val="001080"/>
                 </a:solidFill>
-                <a:latin typeface="Consolas" panose="020B0609020204030204" pitchFamily="49" charset="0"/>
-              </a:rPr>
-              <a:t>Console</a:t>
-            </a:r>
-            <a:r>
-              <a:rPr lang="en-US" sz="2400" dirty="0" err="1" smtClean="0">
-                <a:solidFill>
-                  <a:srgbClr val="000000"/>
-                </a:solidFill>
-                <a:latin typeface="Consolas" panose="020B0609020204030204" pitchFamily="49" charset="0"/>
-              </a:rPr>
-              <a:t>.</a:t>
-            </a:r>
-            <a:r>
-              <a:rPr lang="en-US" sz="2400" dirty="0" err="1" smtClean="0">
-                <a:solidFill>
-                  <a:srgbClr val="001080"/>
-                </a:solidFill>
-                <a:latin typeface="Consolas" panose="020B0609020204030204" pitchFamily="49" charset="0"/>
+                <a:latin typeface="Cascadia Mono" panose="020B0609020000020004" pitchFamily="49" charset="0"/>
+                <a:cs typeface="Cascadia Mono" panose="020B0609020000020004" pitchFamily="49" charset="0"/>
               </a:rPr>
               <a:t>WriteLine</a:t>
             </a:r>
@@ -11814,7 +11877,8 @@
                 <a:solidFill>
                   <a:srgbClr val="222222"/>
                 </a:solidFill>
-                <a:latin typeface="Consolas" panose="020B0609020204030204" pitchFamily="49" charset="0"/>
+                <a:latin typeface="Cascadia Mono" panose="020B0609020000020004" pitchFamily="49" charset="0"/>
+                <a:cs typeface="Cascadia Mono" panose="020B0609020000020004" pitchFamily="49" charset="0"/>
               </a:rPr>
               <a:t>(</a:t>
             </a:r>
@@ -11823,7 +11887,8 @@
                 <a:solidFill>
                   <a:srgbClr val="795E26"/>
                 </a:solidFill>
-                <a:latin typeface="Consolas" panose="020B0609020204030204" pitchFamily="49" charset="0"/>
+                <a:latin typeface="Cascadia Mono" panose="020B0609020000020004" pitchFamily="49" charset="0"/>
+                <a:cs typeface="Cascadia Mono" panose="020B0609020000020004" pitchFamily="49" charset="0"/>
               </a:rPr>
               <a:t>Add</a:t>
             </a:r>
@@ -11832,7 +11897,8 @@
                 <a:solidFill>
                   <a:srgbClr val="222222"/>
                 </a:solidFill>
-                <a:latin typeface="Consolas" panose="020B0609020204030204" pitchFamily="49" charset="0"/>
+                <a:latin typeface="Cascadia Mono" panose="020B0609020000020004" pitchFamily="49" charset="0"/>
+                <a:cs typeface="Cascadia Mono" panose="020B0609020000020004" pitchFamily="49" charset="0"/>
               </a:rPr>
               <a:t>(</a:t>
             </a:r>
@@ -11841,7 +11907,8 @@
                 <a:solidFill>
                   <a:srgbClr val="098658"/>
                 </a:solidFill>
-                <a:latin typeface="Consolas" panose="020B0609020204030204" pitchFamily="49" charset="0"/>
+                <a:latin typeface="Cascadia Mono" panose="020B0609020000020004" pitchFamily="49" charset="0"/>
+                <a:cs typeface="Cascadia Mono" panose="020B0609020000020004" pitchFamily="49" charset="0"/>
               </a:rPr>
               <a:t>5</a:t>
             </a:r>
@@ -11850,7 +11917,8 @@
                 <a:solidFill>
                   <a:srgbClr val="222222"/>
                 </a:solidFill>
-                <a:latin typeface="Consolas" panose="020B0609020204030204" pitchFamily="49" charset="0"/>
+                <a:latin typeface="Cascadia Mono" panose="020B0609020000020004" pitchFamily="49" charset="0"/>
+                <a:cs typeface="Cascadia Mono" panose="020B0609020000020004" pitchFamily="49" charset="0"/>
               </a:rPr>
               <a:t>,</a:t>
             </a:r>
@@ -11859,7 +11927,8 @@
                 <a:solidFill>
                   <a:srgbClr val="000000"/>
                 </a:solidFill>
-                <a:latin typeface="Consolas" panose="020B0609020204030204" pitchFamily="49" charset="0"/>
+                <a:latin typeface="Cascadia Mono" panose="020B0609020000020004" pitchFamily="49" charset="0"/>
+                <a:cs typeface="Cascadia Mono" panose="020B0609020000020004" pitchFamily="49" charset="0"/>
               </a:rPr>
               <a:t> </a:t>
             </a:r>
@@ -11868,7 +11937,8 @@
                 <a:solidFill>
                   <a:srgbClr val="098658"/>
                 </a:solidFill>
-                <a:latin typeface="Consolas" panose="020B0609020204030204" pitchFamily="49" charset="0"/>
+                <a:latin typeface="Cascadia Mono" panose="020B0609020000020004" pitchFamily="49" charset="0"/>
+                <a:cs typeface="Cascadia Mono" panose="020B0609020000020004" pitchFamily="49" charset="0"/>
               </a:rPr>
               <a:t>10</a:t>
             </a:r>
@@ -11877,7 +11947,8 @@
                 <a:solidFill>
                   <a:srgbClr val="222222"/>
                 </a:solidFill>
-                <a:latin typeface="Consolas" panose="020B0609020204030204" pitchFamily="49" charset="0"/>
+                <a:latin typeface="Cascadia Mono" panose="020B0609020000020004" pitchFamily="49" charset="0"/>
+                <a:cs typeface="Cascadia Mono" panose="020B0609020000020004" pitchFamily="49" charset="0"/>
               </a:rPr>
               <a:t>));</a:t>
             </a:r>
@@ -11886,16 +11957,28 @@
                 <a:solidFill>
                   <a:srgbClr val="000000"/>
                 </a:solidFill>
-                <a:latin typeface="Consolas" panose="020B0609020204030204" pitchFamily="49" charset="0"/>
+                <a:latin typeface="Cascadia Mono" panose="020B0609020000020004" pitchFamily="49" charset="0"/>
+                <a:cs typeface="Cascadia Mono" panose="020B0609020000020004" pitchFamily="49" charset="0"/>
               </a:rPr>
               <a:t> </a:t>
             </a:r>
             <a:r>
-              <a:rPr lang="en-US" sz="2400" dirty="0">
+              <a:rPr lang="en-US" sz="2400" dirty="0" smtClean="0">
+                <a:solidFill>
+                  <a:srgbClr val="000000"/>
+                </a:solidFill>
+                <a:latin typeface="Cascadia Mono" panose="020B0609020000020004" pitchFamily="49" charset="0"/>
+                <a:cs typeface="Cascadia Mono" panose="020B0609020000020004" pitchFamily="49" charset="0"/>
+              </a:rPr>
+              <a:t>   </a:t>
+            </a:r>
+            <a:r>
+              <a:rPr lang="en-US" sz="2400" dirty="0" smtClean="0">
                 <a:solidFill>
                   <a:srgbClr val="008000"/>
                 </a:solidFill>
-                <a:latin typeface="Consolas" panose="020B0609020204030204" pitchFamily="49" charset="0"/>
+                <a:latin typeface="Cascadia Mono" panose="020B0609020000020004" pitchFamily="49" charset="0"/>
+                <a:cs typeface="Cascadia Mono" panose="020B0609020000020004" pitchFamily="49" charset="0"/>
               </a:rPr>
               <a:t>// </a:t>
             </a:r>
@@ -11904,7 +11987,8 @@
                 <a:solidFill>
                   <a:srgbClr val="008000"/>
                 </a:solidFill>
-                <a:latin typeface="Consolas" panose="020B0609020204030204" pitchFamily="49" charset="0"/>
+                <a:latin typeface="Cascadia Mono" panose="020B0609020000020004" pitchFamily="49" charset="0"/>
+                <a:cs typeface="Cascadia Mono" panose="020B0609020000020004" pitchFamily="49" charset="0"/>
               </a:rPr>
               <a:t>Вызов метода с двумя </a:t>
             </a:r>
@@ -11913,7 +11997,8 @@
                 <a:solidFill>
                   <a:srgbClr val="008000"/>
                 </a:solidFill>
-                <a:latin typeface="Consolas" panose="020B0609020204030204" pitchFamily="49" charset="0"/>
+                <a:latin typeface="Cascadia Mono" panose="020B0609020000020004" pitchFamily="49" charset="0"/>
+                <a:cs typeface="Cascadia Mono" panose="020B0609020000020004" pitchFamily="49" charset="0"/>
               </a:rPr>
               <a:t>int</a:t>
             </a:r>
@@ -11921,34 +12006,38 @@
               <a:solidFill>
                 <a:srgbClr val="000000"/>
               </a:solidFill>
-              <a:latin typeface="Consolas" panose="020B0609020204030204" pitchFamily="49" charset="0"/>
+              <a:latin typeface="Cascadia Mono" panose="020B0609020000020004" pitchFamily="49" charset="0"/>
+              <a:cs typeface="Cascadia Mono" panose="020B0609020000020004" pitchFamily="49" charset="0"/>
             </a:endParaRPr>
           </a:p>
           <a:p>
             <a:r>
+              <a:rPr lang="en-US" sz="2400" dirty="0" err="1">
+                <a:solidFill>
+                  <a:srgbClr val="2B91AF"/>
+                </a:solidFill>
+                <a:latin typeface="Cascadia Mono" panose="020B0609020000020004" pitchFamily="49" charset="0"/>
+                <a:cs typeface="Cascadia Mono" panose="020B0609020000020004" pitchFamily="49" charset="0"/>
+              </a:rPr>
+              <a:t>Console</a:t>
+            </a:r>
+            <a:r>
               <a:rPr lang="en-US" sz="2400" dirty="0" err="1" smtClean="0">
                 <a:solidFill>
+                  <a:srgbClr val="000000"/>
+                </a:solidFill>
+                <a:latin typeface="Cascadia Mono" panose="020B0609020000020004" pitchFamily="49" charset="0"/>
+                <a:cs typeface="Cascadia Mono" panose="020B0609020000020004" pitchFamily="49" charset="0"/>
+              </a:rPr>
+              <a:t>.</a:t>
+            </a:r>
+            <a:r>
+              <a:rPr lang="en-US" sz="2400" dirty="0" err="1" smtClean="0">
+                <a:solidFill>
                   <a:srgbClr val="001080"/>
                 </a:solidFill>
-                <a:latin typeface="Consolas" panose="020B0609020204030204" pitchFamily="49" charset="0"/>
-              </a:rPr>
-              <a:t>Console</a:t>
-            </a:r>
-            <a:r>
-              <a:rPr lang="en-US" sz="2400" dirty="0" err="1" smtClean="0">
-                <a:solidFill>
-                  <a:srgbClr val="000000"/>
-                </a:solidFill>
-                <a:latin typeface="Consolas" panose="020B0609020204030204" pitchFamily="49" charset="0"/>
-              </a:rPr>
-              <a:t>.</a:t>
-            </a:r>
-            <a:r>
-              <a:rPr lang="en-US" sz="2400" dirty="0" err="1" smtClean="0">
-                <a:solidFill>
-                  <a:srgbClr val="001080"/>
-                </a:solidFill>
-                <a:latin typeface="Consolas" panose="020B0609020204030204" pitchFamily="49" charset="0"/>
+                <a:latin typeface="Cascadia Mono" panose="020B0609020000020004" pitchFamily="49" charset="0"/>
+                <a:cs typeface="Cascadia Mono" panose="020B0609020000020004" pitchFamily="49" charset="0"/>
               </a:rPr>
               <a:t>WriteLine</a:t>
             </a:r>
@@ -11957,7 +12046,8 @@
                 <a:solidFill>
                   <a:srgbClr val="222222"/>
                 </a:solidFill>
-                <a:latin typeface="Consolas" panose="020B0609020204030204" pitchFamily="49" charset="0"/>
+                <a:latin typeface="Cascadia Mono" panose="020B0609020000020004" pitchFamily="49" charset="0"/>
+                <a:cs typeface="Cascadia Mono" panose="020B0609020000020004" pitchFamily="49" charset="0"/>
               </a:rPr>
               <a:t>(</a:t>
             </a:r>
@@ -11966,7 +12056,8 @@
                 <a:solidFill>
                   <a:srgbClr val="795E26"/>
                 </a:solidFill>
-                <a:latin typeface="Consolas" panose="020B0609020204030204" pitchFamily="49" charset="0"/>
+                <a:latin typeface="Cascadia Mono" panose="020B0609020000020004" pitchFamily="49" charset="0"/>
+                <a:cs typeface="Cascadia Mono" panose="020B0609020000020004" pitchFamily="49" charset="0"/>
               </a:rPr>
               <a:t>Add</a:t>
             </a:r>
@@ -11975,7 +12066,8 @@
                 <a:solidFill>
                   <a:srgbClr val="222222"/>
                 </a:solidFill>
-                <a:latin typeface="Consolas" panose="020B0609020204030204" pitchFamily="49" charset="0"/>
+                <a:latin typeface="Cascadia Mono" panose="020B0609020000020004" pitchFamily="49" charset="0"/>
+                <a:cs typeface="Cascadia Mono" panose="020B0609020000020004" pitchFamily="49" charset="0"/>
               </a:rPr>
               <a:t>(</a:t>
             </a:r>
@@ -11984,7 +12076,8 @@
                 <a:solidFill>
                   <a:srgbClr val="098658"/>
                 </a:solidFill>
-                <a:latin typeface="Consolas" panose="020B0609020204030204" pitchFamily="49" charset="0"/>
+                <a:latin typeface="Cascadia Mono" panose="020B0609020000020004" pitchFamily="49" charset="0"/>
+                <a:cs typeface="Cascadia Mono" panose="020B0609020000020004" pitchFamily="49" charset="0"/>
               </a:rPr>
               <a:t>5.5</a:t>
             </a:r>
@@ -11993,7 +12086,8 @@
                 <a:solidFill>
                   <a:srgbClr val="222222"/>
                 </a:solidFill>
-                <a:latin typeface="Consolas" panose="020B0609020204030204" pitchFamily="49" charset="0"/>
+                <a:latin typeface="Cascadia Mono" panose="020B0609020000020004" pitchFamily="49" charset="0"/>
+                <a:cs typeface="Cascadia Mono" panose="020B0609020000020004" pitchFamily="49" charset="0"/>
               </a:rPr>
               <a:t>,</a:t>
             </a:r>
@@ -12002,7 +12096,8 @@
                 <a:solidFill>
                   <a:srgbClr val="000000"/>
                 </a:solidFill>
-                <a:latin typeface="Consolas" panose="020B0609020204030204" pitchFamily="49" charset="0"/>
+                <a:latin typeface="Cascadia Mono" panose="020B0609020000020004" pitchFamily="49" charset="0"/>
+                <a:cs typeface="Cascadia Mono" panose="020B0609020000020004" pitchFamily="49" charset="0"/>
               </a:rPr>
               <a:t> </a:t>
             </a:r>
@@ -12011,34 +12106,28 @@
                 <a:solidFill>
                   <a:srgbClr val="098658"/>
                 </a:solidFill>
-                <a:latin typeface="Consolas" panose="020B0609020204030204" pitchFamily="49" charset="0"/>
+                <a:latin typeface="Cascadia Mono" panose="020B0609020000020004" pitchFamily="49" charset="0"/>
+                <a:cs typeface="Cascadia Mono" panose="020B0609020000020004" pitchFamily="49" charset="0"/>
               </a:rPr>
               <a:t>10.5</a:t>
             </a:r>
             <a:r>
-              <a:rPr lang="en-US" sz="2400" dirty="0">
+              <a:rPr lang="en-US" sz="2400" dirty="0" smtClean="0">
                 <a:solidFill>
                   <a:srgbClr val="222222"/>
                 </a:solidFill>
-                <a:latin typeface="Consolas" panose="020B0609020204030204" pitchFamily="49" charset="0"/>
+                <a:latin typeface="Cascadia Mono" panose="020B0609020000020004" pitchFamily="49" charset="0"/>
+                <a:cs typeface="Cascadia Mono" panose="020B0609020000020004" pitchFamily="49" charset="0"/>
               </a:rPr>
               <a:t>));</a:t>
             </a:r>
             <a:r>
-              <a:rPr lang="en-US" sz="2400" dirty="0">
-                <a:solidFill>
-                  <a:srgbClr val="000000"/>
-                </a:solidFill>
-                <a:latin typeface="Consolas" panose="020B0609020204030204" pitchFamily="49" charset="0"/>
-              </a:rPr>
-              <a:t> </a:t>
-            </a:r>
-            <a:r>
-              <a:rPr lang="en-US" sz="2400" dirty="0">
+              <a:rPr lang="en-US" sz="2400" dirty="0" smtClean="0">
                 <a:solidFill>
                   <a:srgbClr val="008000"/>
                 </a:solidFill>
-                <a:latin typeface="Consolas" panose="020B0609020204030204" pitchFamily="49" charset="0"/>
+                <a:latin typeface="Cascadia Mono" panose="020B0609020000020004" pitchFamily="49" charset="0"/>
+                <a:cs typeface="Cascadia Mono" panose="020B0609020000020004" pitchFamily="49" charset="0"/>
               </a:rPr>
               <a:t>// </a:t>
             </a:r>
@@ -12047,7 +12136,8 @@
                 <a:solidFill>
                   <a:srgbClr val="008000"/>
                 </a:solidFill>
-                <a:latin typeface="Consolas" panose="020B0609020204030204" pitchFamily="49" charset="0"/>
+                <a:latin typeface="Cascadia Mono" panose="020B0609020000020004" pitchFamily="49" charset="0"/>
+                <a:cs typeface="Cascadia Mono" panose="020B0609020000020004" pitchFamily="49" charset="0"/>
               </a:rPr>
               <a:t>Вызов метода с двумя </a:t>
             </a:r>
@@ -12056,7 +12146,8 @@
                 <a:solidFill>
                   <a:srgbClr val="008000"/>
                 </a:solidFill>
-                <a:latin typeface="Consolas" panose="020B0609020204030204" pitchFamily="49" charset="0"/>
+                <a:latin typeface="Cascadia Mono" panose="020B0609020000020004" pitchFamily="49" charset="0"/>
+                <a:cs typeface="Cascadia Mono" panose="020B0609020000020004" pitchFamily="49" charset="0"/>
               </a:rPr>
               <a:t>double</a:t>
             </a:r>
@@ -12064,169 +12155,178 @@
               <a:solidFill>
                 <a:srgbClr val="000000"/>
               </a:solidFill>
-              <a:latin typeface="Consolas" panose="020B0609020204030204" pitchFamily="49" charset="0"/>
+              <a:latin typeface="Cascadia Mono" panose="020B0609020000020004" pitchFamily="49" charset="0"/>
+              <a:cs typeface="Cascadia Mono" panose="020B0609020000020004" pitchFamily="49" charset="0"/>
             </a:endParaRPr>
           </a:p>
           <a:p>
             <a:r>
+              <a:rPr lang="en-US" sz="2400" dirty="0" err="1">
+                <a:solidFill>
+                  <a:srgbClr val="2B91AF"/>
+                </a:solidFill>
+                <a:latin typeface="Cascadia Mono" panose="020B0609020000020004" pitchFamily="49" charset="0"/>
+                <a:cs typeface="Cascadia Mono" panose="020B0609020000020004" pitchFamily="49" charset="0"/>
+              </a:rPr>
+              <a:t>Console</a:t>
+            </a:r>
+            <a:r>
               <a:rPr lang="en-US" sz="2400" dirty="0" err="1" smtClean="0">
                 <a:solidFill>
+                  <a:srgbClr val="000000"/>
+                </a:solidFill>
+                <a:latin typeface="Cascadia Mono" panose="020B0609020000020004" pitchFamily="49" charset="0"/>
+                <a:cs typeface="Cascadia Mono" panose="020B0609020000020004" pitchFamily="49" charset="0"/>
+              </a:rPr>
+              <a:t>.</a:t>
+            </a:r>
+            <a:r>
+              <a:rPr lang="en-US" sz="2400" dirty="0" err="1" smtClean="0">
+                <a:solidFill>
                   <a:srgbClr val="001080"/>
                 </a:solidFill>
-                <a:latin typeface="Consolas" panose="020B0609020204030204" pitchFamily="49" charset="0"/>
-              </a:rPr>
-              <a:t>Console</a:t>
+                <a:latin typeface="Cascadia Mono" panose="020B0609020000020004" pitchFamily="49" charset="0"/>
+                <a:cs typeface="Cascadia Mono" panose="020B0609020000020004" pitchFamily="49" charset="0"/>
+              </a:rPr>
+              <a:t>WriteLine</a:t>
+            </a:r>
+            <a:r>
+              <a:rPr lang="en-US" sz="2400" dirty="0" smtClean="0">
+                <a:solidFill>
+                  <a:srgbClr val="222222"/>
+                </a:solidFill>
+                <a:latin typeface="Cascadia Mono" panose="020B0609020000020004" pitchFamily="49" charset="0"/>
+                <a:cs typeface="Cascadia Mono" panose="020B0609020000020004" pitchFamily="49" charset="0"/>
+              </a:rPr>
+              <a:t>(</a:t>
+            </a:r>
+            <a:r>
+              <a:rPr lang="en-US" sz="2400" dirty="0" smtClean="0">
+                <a:solidFill>
+                  <a:srgbClr val="795E26"/>
+                </a:solidFill>
+                <a:latin typeface="Cascadia Mono" panose="020B0609020000020004" pitchFamily="49" charset="0"/>
+                <a:cs typeface="Cascadia Mono" panose="020B0609020000020004" pitchFamily="49" charset="0"/>
+              </a:rPr>
+              <a:t>Add</a:t>
+            </a:r>
+            <a:r>
+              <a:rPr lang="en-US" sz="2400" dirty="0" smtClean="0">
+                <a:solidFill>
+                  <a:srgbClr val="222222"/>
+                </a:solidFill>
+                <a:latin typeface="Cascadia Mono" panose="020B0609020000020004" pitchFamily="49" charset="0"/>
+                <a:cs typeface="Cascadia Mono" panose="020B0609020000020004" pitchFamily="49" charset="0"/>
+              </a:rPr>
+              <a:t>(</a:t>
+            </a:r>
+            <a:r>
+              <a:rPr lang="en-US" sz="2400" dirty="0" smtClean="0">
+                <a:solidFill>
+                  <a:srgbClr val="098658"/>
+                </a:solidFill>
+                <a:latin typeface="Cascadia Mono" panose="020B0609020000020004" pitchFamily="49" charset="0"/>
+                <a:cs typeface="Cascadia Mono" panose="020B0609020000020004" pitchFamily="49" charset="0"/>
+              </a:rPr>
+              <a:t>5</a:t>
+            </a:r>
+            <a:r>
+              <a:rPr lang="en-US" sz="2400" dirty="0">
+                <a:solidFill>
+                  <a:srgbClr val="222222"/>
+                </a:solidFill>
+                <a:latin typeface="Cascadia Mono" panose="020B0609020000020004" pitchFamily="49" charset="0"/>
+                <a:cs typeface="Cascadia Mono" panose="020B0609020000020004" pitchFamily="49" charset="0"/>
+              </a:rPr>
+              <a:t>,</a:t>
+            </a:r>
+            <a:r>
+              <a:rPr lang="en-US" sz="2400" dirty="0">
+                <a:solidFill>
+                  <a:srgbClr val="000000"/>
+                </a:solidFill>
+                <a:latin typeface="Cascadia Mono" panose="020B0609020000020004" pitchFamily="49" charset="0"/>
+                <a:cs typeface="Cascadia Mono" panose="020B0609020000020004" pitchFamily="49" charset="0"/>
+              </a:rPr>
+              <a:t> </a:t>
+            </a:r>
+            <a:r>
+              <a:rPr lang="en-US" sz="2400" dirty="0">
+                <a:solidFill>
+                  <a:srgbClr val="098658"/>
+                </a:solidFill>
+                <a:latin typeface="Cascadia Mono" panose="020B0609020000020004" pitchFamily="49" charset="0"/>
+                <a:cs typeface="Cascadia Mono" panose="020B0609020000020004" pitchFamily="49" charset="0"/>
+              </a:rPr>
+              <a:t>10</a:t>
+            </a:r>
+            <a:r>
+              <a:rPr lang="en-US" sz="2400" dirty="0">
+                <a:solidFill>
+                  <a:srgbClr val="222222"/>
+                </a:solidFill>
+                <a:latin typeface="Cascadia Mono" panose="020B0609020000020004" pitchFamily="49" charset="0"/>
+                <a:cs typeface="Cascadia Mono" panose="020B0609020000020004" pitchFamily="49" charset="0"/>
+              </a:rPr>
+              <a:t>,</a:t>
+            </a:r>
+            <a:r>
+              <a:rPr lang="en-US" sz="2400" dirty="0">
+                <a:solidFill>
+                  <a:srgbClr val="000000"/>
+                </a:solidFill>
+                <a:latin typeface="Cascadia Mono" panose="020B0609020000020004" pitchFamily="49" charset="0"/>
+                <a:cs typeface="Cascadia Mono" panose="020B0609020000020004" pitchFamily="49" charset="0"/>
+              </a:rPr>
+              <a:t> </a:t>
+            </a:r>
+            <a:r>
+              <a:rPr lang="en-US" sz="2400" dirty="0">
+                <a:solidFill>
+                  <a:srgbClr val="098658"/>
+                </a:solidFill>
+                <a:latin typeface="Cascadia Mono" panose="020B0609020000020004" pitchFamily="49" charset="0"/>
+                <a:cs typeface="Cascadia Mono" panose="020B0609020000020004" pitchFamily="49" charset="0"/>
+              </a:rPr>
+              <a:t>15</a:t>
+            </a:r>
+            <a:r>
+              <a:rPr lang="en-US" sz="2400" dirty="0" smtClean="0">
+                <a:solidFill>
+                  <a:srgbClr val="222222"/>
+                </a:solidFill>
+                <a:latin typeface="Cascadia Mono" panose="020B0609020000020004" pitchFamily="49" charset="0"/>
+                <a:cs typeface="Cascadia Mono" panose="020B0609020000020004" pitchFamily="49" charset="0"/>
+              </a:rPr>
+              <a:t>));</a:t>
+            </a:r>
+            <a:r>
+              <a:rPr lang="en-US" sz="2400" dirty="0" smtClean="0">
+                <a:solidFill>
+                  <a:srgbClr val="008000"/>
+                </a:solidFill>
+                <a:latin typeface="Cascadia Mono" panose="020B0609020000020004" pitchFamily="49" charset="0"/>
+                <a:cs typeface="Cascadia Mono" panose="020B0609020000020004" pitchFamily="49" charset="0"/>
+              </a:rPr>
+              <a:t>// </a:t>
+            </a:r>
+            <a:r>
+              <a:rPr lang="ru-RU" sz="2400" dirty="0">
+                <a:solidFill>
+                  <a:srgbClr val="008000"/>
+                </a:solidFill>
+                <a:latin typeface="Cascadia Mono" panose="020B0609020000020004" pitchFamily="49" charset="0"/>
+                <a:cs typeface="Cascadia Mono" panose="020B0609020000020004" pitchFamily="49" charset="0"/>
+              </a:rPr>
+              <a:t>Вызов метода с тремя </a:t>
             </a:r>
             <a:r>
               <a:rPr lang="en-US" sz="2400" dirty="0" err="1" smtClean="0">
                 <a:solidFill>
-                  <a:srgbClr val="000000"/>
-                </a:solidFill>
-                <a:latin typeface="Consolas" panose="020B0609020204030204" pitchFamily="49" charset="0"/>
-              </a:rPr>
-              <a:t>.</a:t>
-            </a:r>
-            <a:r>
-              <a:rPr lang="en-US" sz="2400" dirty="0" err="1" smtClean="0">
-                <a:solidFill>
-                  <a:srgbClr val="001080"/>
-                </a:solidFill>
-                <a:latin typeface="Consolas" panose="020B0609020204030204" pitchFamily="49" charset="0"/>
-              </a:rPr>
-              <a:t>WriteLine</a:t>
-            </a:r>
-            <a:r>
-              <a:rPr lang="en-US" sz="2400" dirty="0" smtClean="0">
-                <a:solidFill>
-                  <a:srgbClr val="222222"/>
-                </a:solidFill>
-                <a:latin typeface="Consolas" panose="020B0609020204030204" pitchFamily="49" charset="0"/>
-              </a:rPr>
-              <a:t>(</a:t>
-            </a:r>
-            <a:r>
-              <a:rPr lang="en-US" sz="2400" dirty="0" smtClean="0">
-                <a:solidFill>
-                  <a:srgbClr val="795E26"/>
-                </a:solidFill>
-                <a:latin typeface="Consolas" panose="020B0609020204030204" pitchFamily="49" charset="0"/>
-              </a:rPr>
-              <a:t>Add</a:t>
-            </a:r>
-            <a:r>
-              <a:rPr lang="en-US" sz="2400" dirty="0" smtClean="0">
-                <a:solidFill>
-                  <a:srgbClr val="222222"/>
-                </a:solidFill>
-                <a:latin typeface="Consolas" panose="020B0609020204030204" pitchFamily="49" charset="0"/>
-              </a:rPr>
-              <a:t>(</a:t>
-            </a:r>
-            <a:r>
-              <a:rPr lang="en-US" sz="2400" dirty="0" smtClean="0">
-                <a:solidFill>
-                  <a:srgbClr val="098658"/>
-                </a:solidFill>
-                <a:latin typeface="Consolas" panose="020B0609020204030204" pitchFamily="49" charset="0"/>
-              </a:rPr>
-              <a:t>5</a:t>
-            </a:r>
-            <a:r>
-              <a:rPr lang="en-US" sz="2400" dirty="0">
-                <a:solidFill>
-                  <a:srgbClr val="222222"/>
-                </a:solidFill>
-                <a:latin typeface="Consolas" panose="020B0609020204030204" pitchFamily="49" charset="0"/>
-              </a:rPr>
-              <a:t>,</a:t>
-            </a:r>
-            <a:r>
-              <a:rPr lang="en-US" sz="2400" dirty="0">
-                <a:solidFill>
-                  <a:srgbClr val="000000"/>
-                </a:solidFill>
-                <a:latin typeface="Consolas" panose="020B0609020204030204" pitchFamily="49" charset="0"/>
-              </a:rPr>
-              <a:t> </a:t>
-            </a:r>
-            <a:r>
-              <a:rPr lang="en-US" sz="2400" dirty="0">
-                <a:solidFill>
-                  <a:srgbClr val="098658"/>
-                </a:solidFill>
-                <a:latin typeface="Consolas" panose="020B0609020204030204" pitchFamily="49" charset="0"/>
-              </a:rPr>
-              <a:t>10</a:t>
-            </a:r>
-            <a:r>
-              <a:rPr lang="en-US" sz="2400" dirty="0">
-                <a:solidFill>
-                  <a:srgbClr val="222222"/>
-                </a:solidFill>
-                <a:latin typeface="Consolas" panose="020B0609020204030204" pitchFamily="49" charset="0"/>
-              </a:rPr>
-              <a:t>,</a:t>
-            </a:r>
-            <a:r>
-              <a:rPr lang="en-US" sz="2400" dirty="0">
-                <a:solidFill>
-                  <a:srgbClr val="000000"/>
-                </a:solidFill>
-                <a:latin typeface="Consolas" panose="020B0609020204030204" pitchFamily="49" charset="0"/>
-              </a:rPr>
-              <a:t> </a:t>
-            </a:r>
-            <a:r>
-              <a:rPr lang="en-US" sz="2400" dirty="0">
-                <a:solidFill>
-                  <a:srgbClr val="098658"/>
-                </a:solidFill>
-                <a:latin typeface="Consolas" panose="020B0609020204030204" pitchFamily="49" charset="0"/>
-              </a:rPr>
-              <a:t>15</a:t>
-            </a:r>
-            <a:r>
-              <a:rPr lang="en-US" sz="2400" dirty="0">
-                <a:solidFill>
-                  <a:srgbClr val="222222"/>
-                </a:solidFill>
-                <a:latin typeface="Consolas" panose="020B0609020204030204" pitchFamily="49" charset="0"/>
-              </a:rPr>
-              <a:t>));</a:t>
-            </a:r>
-            <a:r>
-              <a:rPr lang="en-US" sz="2400" dirty="0">
-                <a:solidFill>
-                  <a:srgbClr val="000000"/>
-                </a:solidFill>
-                <a:latin typeface="Consolas" panose="020B0609020204030204" pitchFamily="49" charset="0"/>
-              </a:rPr>
-              <a:t> </a:t>
-            </a:r>
-            <a:r>
-              <a:rPr lang="en-US" sz="2400" dirty="0">
-                <a:solidFill>
                   <a:srgbClr val="008000"/>
                 </a:solidFill>
-                <a:latin typeface="Consolas" panose="020B0609020204030204" pitchFamily="49" charset="0"/>
-              </a:rPr>
-              <a:t>// </a:t>
-            </a:r>
-            <a:r>
-              <a:rPr lang="ru-RU" sz="2400" dirty="0">
-                <a:solidFill>
-                  <a:srgbClr val="008000"/>
-                </a:solidFill>
-                <a:latin typeface="Consolas" panose="020B0609020204030204" pitchFamily="49" charset="0"/>
-              </a:rPr>
-              <a:t>Вызов метода с тремя </a:t>
-            </a:r>
-            <a:r>
-              <a:rPr lang="en-US" sz="2400" dirty="0" err="1" smtClean="0">
-                <a:solidFill>
-                  <a:srgbClr val="008000"/>
-                </a:solidFill>
-                <a:latin typeface="Consolas" panose="020B0609020204030204" pitchFamily="49" charset="0"/>
+                <a:latin typeface="Cascadia Mono" panose="020B0609020000020004" pitchFamily="49" charset="0"/>
+                <a:cs typeface="Cascadia Mono" panose="020B0609020000020004" pitchFamily="49" charset="0"/>
               </a:rPr>
               <a:t>int</a:t>
             </a:r>
@@ -12234,7 +12334,8 @@
               <a:solidFill>
                 <a:srgbClr val="000000"/>
               </a:solidFill>
-              <a:latin typeface="Consolas" panose="020B0609020204030204" pitchFamily="49" charset="0"/>
+              <a:latin typeface="Cascadia Mono" panose="020B0609020000020004" pitchFamily="49" charset="0"/>
+              <a:cs typeface="Cascadia Mono" panose="020B0609020000020004" pitchFamily="49" charset="0"/>
             </a:endParaRPr>
           </a:p>
         </p:txBody>
@@ -15711,7 +15812,7 @@
         <p:spPr>
           <a:xfrm>
             <a:off x="190500" y="654356"/>
-            <a:ext cx="11757660" cy="6123664"/>
+            <a:ext cx="11757660" cy="6186309"/>
           </a:xfrm>
           <a:prstGeom prst="rect">
             <a:avLst/>
@@ -22237,7 +22338,7 @@
         <p:spPr>
           <a:xfrm>
             <a:off x="304799" y="92883"/>
-            <a:ext cx="11622505" cy="7109639"/>
+            <a:ext cx="11622505" cy="6555641"/>
           </a:xfrm>
           <a:prstGeom prst="rect">
             <a:avLst/>
@@ -23235,7 +23336,7 @@
           </a:p>
           <a:p>
             <a:r>
-              <a:rPr lang="ru-RU" sz="2400" dirty="0">
+              <a:rPr lang="ru-RU" sz="2400" dirty="0" smtClean="0">
                 <a:solidFill>
                   <a:srgbClr val="000000"/>
                 </a:solidFill>
@@ -23247,19 +23348,6 @@
               <a:t>}</a:t>
             </a:r>
             <a:endParaRPr lang="ru-RU" sz="2400" dirty="0" smtClean="0">
-              <a:solidFill>
-                <a:srgbClr val="000000"/>
-              </a:solidFill>
-              <a:latin typeface="Bookman Old Style" panose="02050604050505020204" pitchFamily="18" charset="0"/>
-            </a:endParaRPr>
-          </a:p>
-          <a:p>
-            <a:pPr algn="just">
-              <a:lnSpc>
-                <a:spcPct val="150000"/>
-              </a:lnSpc>
-            </a:pPr>
-            <a:endParaRPr lang="ru-RU" sz="2400" dirty="0">
               <a:solidFill>
                 <a:srgbClr val="000000"/>
               </a:solidFill>
@@ -26423,11 +26511,20 @@
             <a:r>
               <a:rPr lang="en-US" sz="2400" dirty="0">
                 <a:solidFill>
-                  <a:srgbClr val="000000"/>
-                </a:solidFill>
-                <a:latin typeface="Cascadia Mono" panose="020B0609020000020004" pitchFamily="49" charset="0"/>
-              </a:rPr>
-              <a:t>Person bob = </a:t>
+                  <a:srgbClr val="2B91AF"/>
+                </a:solidFill>
+                <a:latin typeface="Cascadia Mono" panose="020B0609020000020004" pitchFamily="49" charset="0"/>
+              </a:rPr>
+              <a:t>Person</a:t>
+            </a:r>
+            <a:r>
+              <a:rPr lang="en-US" sz="2400" dirty="0">
+                <a:solidFill>
+                  <a:srgbClr val="000000"/>
+                </a:solidFill>
+                <a:latin typeface="Cascadia Mono" panose="020B0609020000020004" pitchFamily="49" charset="0"/>
+              </a:rPr>
+              <a:t> bob = </a:t>
             </a:r>
             <a:r>
               <a:rPr lang="en-US" sz="2400" dirty="0">
@@ -26445,7 +26542,25 @@
                 </a:solidFill>
                 <a:latin typeface="Cascadia Mono" panose="020B0609020000020004" pitchFamily="49" charset="0"/>
               </a:rPr>
-              <a:t> Client(</a:t>
+              <a:t> </a:t>
+            </a:r>
+            <a:r>
+              <a:rPr lang="en-US" sz="2400" dirty="0">
+                <a:solidFill>
+                  <a:srgbClr val="2B91AF"/>
+                </a:solidFill>
+                <a:latin typeface="Cascadia Mono" panose="020B0609020000020004" pitchFamily="49" charset="0"/>
+              </a:rPr>
+              <a:t>Client</a:t>
+            </a:r>
+            <a:r>
+              <a:rPr lang="en-US" sz="2400" dirty="0">
+                <a:solidFill>
+                  <a:srgbClr val="000000"/>
+                </a:solidFill>
+                <a:latin typeface="Cascadia Mono" panose="020B0609020000020004" pitchFamily="49" charset="0"/>
+              </a:rPr>
+              <a:t>(</a:t>
             </a:r>
             <a:r>
               <a:rPr lang="en-US" sz="2400" dirty="0">
@@ -26950,71 +27065,47 @@
             </a:pPr>
             <a:r>
               <a:rPr lang="ru-RU" sz="2400" dirty="0" smtClean="0">
-                <a:solidFill>
-                  <a:srgbClr val="000000"/>
-                </a:solidFill>
                 <a:latin typeface="Bookman Old Style" panose="02050604050505020204" pitchFamily="18" charset="0"/>
               </a:rPr>
               <a:t>Но </a:t>
             </a:r>
             <a:r>
               <a:rPr lang="ru-RU" sz="2400" dirty="0">
-                <a:solidFill>
-                  <a:srgbClr val="000000"/>
-                </a:solidFill>
                 <a:latin typeface="Bookman Old Style" panose="02050604050505020204" pitchFamily="18" charset="0"/>
               </a:rPr>
               <a:t>кроме восходящих преобразований от производного к базовому типу есть нисходящие преобразования или </a:t>
             </a:r>
             <a:r>
               <a:rPr lang="ru-RU" sz="2400" b="1" dirty="0" err="1">
-                <a:solidFill>
-                  <a:srgbClr val="000000"/>
-                </a:solidFill>
                 <a:latin typeface="Bookman Old Style" panose="02050604050505020204" pitchFamily="18" charset="0"/>
               </a:rPr>
               <a:t>downcasting</a:t>
             </a:r>
             <a:r>
               <a:rPr lang="ru-RU" sz="2400" dirty="0">
-                <a:solidFill>
-                  <a:srgbClr val="000000"/>
-                </a:solidFill>
                 <a:latin typeface="Bookman Old Style" panose="02050604050505020204" pitchFamily="18" charset="0"/>
               </a:rPr>
               <a:t> </a:t>
             </a:r>
             <a:r>
               <a:rPr lang="ru-RU" sz="2400" dirty="0" smtClean="0">
-                <a:solidFill>
-                  <a:srgbClr val="000000"/>
-                </a:solidFill>
                 <a:latin typeface="Bookman Old Style" panose="02050604050505020204" pitchFamily="18" charset="0"/>
               </a:rPr>
               <a:t>- преобразование </a:t>
             </a:r>
             <a:r>
               <a:rPr lang="ru-RU" sz="2400" dirty="0">
-                <a:solidFill>
-                  <a:srgbClr val="000000"/>
-                </a:solidFill>
                 <a:latin typeface="Bookman Old Style" panose="02050604050505020204" pitchFamily="18" charset="0"/>
               </a:rPr>
               <a:t>от базового типа к </a:t>
             </a:r>
             <a:r>
               <a:rPr lang="ru-RU" sz="2400" dirty="0" smtClean="0">
-                <a:solidFill>
-                  <a:srgbClr val="000000"/>
-                </a:solidFill>
                 <a:latin typeface="Bookman Old Style" panose="02050604050505020204" pitchFamily="18" charset="0"/>
               </a:rPr>
               <a:t>производному.</a:t>
             </a:r>
             <a:endParaRPr lang="en-US" sz="2400" dirty="0" smtClean="0">
-              <a:solidFill>
-                <a:srgbClr val="000000"/>
-              </a:solidFill>
               <a:latin typeface="Bookman Old Style" panose="02050604050505020204" pitchFamily="18" charset="0"/>
             </a:endParaRPr>
           </a:p>
@@ -27026,116 +27117,77 @@
             </a:pPr>
             <a:r>
               <a:rPr lang="ru-RU" sz="2400" dirty="0" smtClean="0">
-                <a:solidFill>
-                  <a:srgbClr val="000000"/>
-                </a:solidFill>
                 <a:latin typeface="Bookman Old Style" panose="02050604050505020204" pitchFamily="18" charset="0"/>
               </a:rPr>
               <a:t>И </a:t>
             </a:r>
             <a:r>
               <a:rPr lang="ru-RU" sz="2400" dirty="0">
-                <a:solidFill>
-                  <a:srgbClr val="000000"/>
-                </a:solidFill>
                 <a:latin typeface="Bookman Old Style" panose="02050604050505020204" pitchFamily="18" charset="0"/>
               </a:rPr>
               <a:t>может возникнуть вопрос, можно ли обратиться к функционалу типа </a:t>
             </a:r>
             <a:r>
               <a:rPr lang="ru-RU" sz="2400" dirty="0" err="1">
-                <a:solidFill>
-                  <a:srgbClr val="000000"/>
-                </a:solidFill>
                 <a:latin typeface="Bookman Old Style" panose="02050604050505020204" pitchFamily="18" charset="0"/>
               </a:rPr>
               <a:t>Employee</a:t>
             </a:r>
             <a:r>
               <a:rPr lang="ru-RU" sz="2400" dirty="0">
-                <a:solidFill>
-                  <a:srgbClr val="000000"/>
-                </a:solidFill>
                 <a:latin typeface="Bookman Old Style" panose="02050604050505020204" pitchFamily="18" charset="0"/>
               </a:rPr>
               <a:t> через переменную типа </a:t>
             </a:r>
             <a:r>
               <a:rPr lang="ru-RU" sz="2400" dirty="0" err="1">
-                <a:solidFill>
-                  <a:srgbClr val="000000"/>
-                </a:solidFill>
                 <a:latin typeface="Bookman Old Style" panose="02050604050505020204" pitchFamily="18" charset="0"/>
               </a:rPr>
               <a:t>Person</a:t>
             </a:r>
             <a:r>
               <a:rPr lang="ru-RU" sz="2400" dirty="0">
-                <a:solidFill>
-                  <a:srgbClr val="000000"/>
-                </a:solidFill>
                 <a:latin typeface="Bookman Old Style" panose="02050604050505020204" pitchFamily="18" charset="0"/>
               </a:rPr>
               <a:t>. </a:t>
             </a:r>
             <a:r>
               <a:rPr lang="ru-RU" sz="2400" b="1" dirty="0">
-                <a:solidFill>
-                  <a:srgbClr val="000000"/>
-                </a:solidFill>
                 <a:latin typeface="Bookman Old Style" panose="02050604050505020204" pitchFamily="18" charset="0"/>
               </a:rPr>
               <a:t>Но автоматически такие преобразования не проходят</a:t>
             </a:r>
             <a:r>
               <a:rPr lang="ru-RU" sz="2400" dirty="0">
-                <a:solidFill>
-                  <a:srgbClr val="000000"/>
-                </a:solidFill>
                 <a:latin typeface="Bookman Old Style" panose="02050604050505020204" pitchFamily="18" charset="0"/>
               </a:rPr>
               <a:t>, ведь не каждый человек (объект </a:t>
             </a:r>
             <a:r>
               <a:rPr lang="ru-RU" sz="2400" dirty="0" err="1">
-                <a:solidFill>
-                  <a:srgbClr val="000000"/>
-                </a:solidFill>
                 <a:latin typeface="Bookman Old Style" panose="02050604050505020204" pitchFamily="18" charset="0"/>
               </a:rPr>
               <a:t>Person</a:t>
             </a:r>
             <a:r>
               <a:rPr lang="ru-RU" sz="2400" dirty="0">
-                <a:solidFill>
-                  <a:srgbClr val="000000"/>
-                </a:solidFill>
                 <a:latin typeface="Bookman Old Style" panose="02050604050505020204" pitchFamily="18" charset="0"/>
               </a:rPr>
               <a:t>) является сотрудником предприятия (объектом </a:t>
             </a:r>
             <a:r>
               <a:rPr lang="ru-RU" sz="2400" dirty="0" err="1">
-                <a:solidFill>
-                  <a:srgbClr val="000000"/>
-                </a:solidFill>
                 <a:latin typeface="Bookman Old Style" panose="02050604050505020204" pitchFamily="18" charset="0"/>
               </a:rPr>
               <a:t>Employee</a:t>
             </a:r>
             <a:r>
               <a:rPr lang="ru-RU" sz="2400" dirty="0">
-                <a:solidFill>
-                  <a:srgbClr val="000000"/>
-                </a:solidFill>
                 <a:latin typeface="Bookman Old Style" panose="02050604050505020204" pitchFamily="18" charset="0"/>
               </a:rPr>
               <a:t>). </a:t>
             </a:r>
             <a:endParaRPr lang="en-US" sz="2400" dirty="0" smtClean="0">
-              <a:solidFill>
-                <a:srgbClr val="000000"/>
-              </a:solidFill>
               <a:latin typeface="Bookman Old Style" panose="02050604050505020204" pitchFamily="18" charset="0"/>
             </a:endParaRPr>
           </a:p>
@@ -27147,26 +27199,17 @@
             </a:pPr>
             <a:r>
               <a:rPr lang="ru-RU" sz="2400" dirty="0" smtClean="0">
-                <a:solidFill>
-                  <a:srgbClr val="000000"/>
-                </a:solidFill>
                 <a:latin typeface="Bookman Old Style" panose="02050604050505020204" pitchFamily="18" charset="0"/>
               </a:rPr>
               <a:t>И </a:t>
             </a:r>
             <a:r>
               <a:rPr lang="ru-RU" sz="2400" dirty="0">
-                <a:solidFill>
-                  <a:srgbClr val="000000"/>
-                </a:solidFill>
                 <a:latin typeface="Bookman Old Style" panose="02050604050505020204" pitchFamily="18" charset="0"/>
               </a:rPr>
               <a:t>для нисходящего преобразования необходимо применить явное преобразование, указав в скобках тип, к которому нужно выполнить преобразование:</a:t>
             </a:r>
             <a:endParaRPr lang="en-US" sz="2400" i="0" dirty="0">
-              <a:solidFill>
-                <a:srgbClr val="000000"/>
-              </a:solidFill>
               <a:effectLst/>
               <a:latin typeface="Bookman Old Style" panose="02050604050505020204" pitchFamily="18" charset="0"/>
             </a:endParaRPr>
@@ -27318,11 +27361,20 @@
             <a:r>
               <a:rPr lang="en-US" sz="2400" dirty="0">
                 <a:solidFill>
-                  <a:srgbClr val="000000"/>
-                </a:solidFill>
-                <a:latin typeface="Cascadia Mono" panose="020B0609020000020004" pitchFamily="49" charset="0"/>
-              </a:rPr>
-              <a:t>Employee employee1 = </a:t>
+                  <a:srgbClr val="2B91AF"/>
+                </a:solidFill>
+                <a:latin typeface="Cascadia Mono" panose="020B0609020000020004" pitchFamily="49" charset="0"/>
+              </a:rPr>
+              <a:t>Employee</a:t>
+            </a:r>
+            <a:r>
+              <a:rPr lang="en-US" sz="2400" dirty="0">
+                <a:solidFill>
+                  <a:srgbClr val="000000"/>
+                </a:solidFill>
+                <a:latin typeface="Cascadia Mono" panose="020B0609020000020004" pitchFamily="49" charset="0"/>
+              </a:rPr>
+              <a:t> employee1 = </a:t>
             </a:r>
             <a:r>
               <a:rPr lang="en-US" sz="2400" dirty="0">
@@ -27340,7 +27392,25 @@
                 </a:solidFill>
                 <a:latin typeface="Cascadia Mono" panose="020B0609020000020004" pitchFamily="49" charset="0"/>
               </a:rPr>
-              <a:t> Employee(</a:t>
+              <a:t> </a:t>
+            </a:r>
+            <a:r>
+              <a:rPr lang="en-US" sz="2400" dirty="0">
+                <a:solidFill>
+                  <a:srgbClr val="2B91AF"/>
+                </a:solidFill>
+                <a:latin typeface="Cascadia Mono" panose="020B0609020000020004" pitchFamily="49" charset="0"/>
+              </a:rPr>
+              <a:t>Employee</a:t>
+            </a:r>
+            <a:r>
+              <a:rPr lang="en-US" sz="2400" dirty="0">
+                <a:solidFill>
+                  <a:srgbClr val="000000"/>
+                </a:solidFill>
+                <a:latin typeface="Cascadia Mono" panose="020B0609020000020004" pitchFamily="49" charset="0"/>
+              </a:rPr>
+              <a:t>(</a:t>
             </a:r>
             <a:r>
               <a:rPr lang="en-US" sz="2400" dirty="0">
@@ -27383,11 +27453,20 @@
             <a:r>
               <a:rPr lang="en-US" sz="2400" dirty="0">
                 <a:solidFill>
-                  <a:srgbClr val="000000"/>
-                </a:solidFill>
-                <a:latin typeface="Cascadia Mono" panose="020B0609020000020004" pitchFamily="49" charset="0"/>
-              </a:rPr>
-              <a:t>Person </a:t>
+                  <a:srgbClr val="2B91AF"/>
+                </a:solidFill>
+                <a:latin typeface="Cascadia Mono" panose="020B0609020000020004" pitchFamily="49" charset="0"/>
+              </a:rPr>
+              <a:t>Person</a:t>
+            </a:r>
+            <a:r>
+              <a:rPr lang="en-US" sz="2400" dirty="0">
+                <a:solidFill>
+                  <a:srgbClr val="000000"/>
+                </a:solidFill>
+                <a:latin typeface="Cascadia Mono" panose="020B0609020000020004" pitchFamily="49" charset="0"/>
+              </a:rPr>
+              <a:t> </a:t>
             </a:r>
             <a:r>
               <a:rPr lang="en-US" sz="2400" dirty="0" err="1">
@@ -27577,11 +27656,38 @@
             <a:r>
               <a:rPr lang="en-US" sz="2400" dirty="0">
                 <a:solidFill>
-                  <a:srgbClr val="000000"/>
-                </a:solidFill>
-                <a:latin typeface="Cascadia Mono" panose="020B0609020000020004" pitchFamily="49" charset="0"/>
-              </a:rPr>
-              <a:t>Employee employee2 = (Employee)person;  </a:t>
+                  <a:srgbClr val="2B91AF"/>
+                </a:solidFill>
+                <a:latin typeface="Cascadia Mono" panose="020B0609020000020004" pitchFamily="49" charset="0"/>
+              </a:rPr>
+              <a:t>Employee</a:t>
+            </a:r>
+            <a:r>
+              <a:rPr lang="en-US" sz="2400" dirty="0">
+                <a:solidFill>
+                  <a:srgbClr val="000000"/>
+                </a:solidFill>
+                <a:latin typeface="Cascadia Mono" panose="020B0609020000020004" pitchFamily="49" charset="0"/>
+              </a:rPr>
+              <a:t> employee2 = (</a:t>
+            </a:r>
+            <a:r>
+              <a:rPr lang="en-US" sz="2400" dirty="0">
+                <a:solidFill>
+                  <a:srgbClr val="2B91AF"/>
+                </a:solidFill>
+                <a:latin typeface="Cascadia Mono" panose="020B0609020000020004" pitchFamily="49" charset="0"/>
+              </a:rPr>
+              <a:t>Employee</a:t>
+            </a:r>
+            <a:r>
+              <a:rPr lang="en-US" sz="2400" dirty="0">
+                <a:solidFill>
+                  <a:srgbClr val="000000"/>
+                </a:solidFill>
+                <a:latin typeface="Cascadia Mono" panose="020B0609020000020004" pitchFamily="49" charset="0"/>
+              </a:rPr>
+              <a:t>)person;  </a:t>
             </a:r>
             <a:endParaRPr lang="ru-RU" sz="2400" dirty="0" smtClean="0">
               <a:solidFill>
@@ -27634,7 +27740,16 @@
                 </a:solidFill>
                 <a:latin typeface="Cascadia Mono" panose="020B0609020000020004" pitchFamily="49" charset="0"/>
               </a:rPr>
-              <a:t> Person к </a:t>
+              <a:t> </a:t>
+            </a:r>
+            <a:r>
+              <a:rPr lang="en-US" sz="2400" dirty="0">
+                <a:solidFill>
+                  <a:srgbClr val="008000"/>
+                </a:solidFill>
+                <a:latin typeface="Cascadia Mono" panose="020B0609020000020004" pitchFamily="49" charset="0"/>
+              </a:rPr>
+              <a:t>Person к </a:t>
             </a:r>
             <a:r>
               <a:rPr lang="en-US" sz="2400" dirty="0" smtClean="0">
@@ -27839,7 +27954,25 @@
                 </a:solidFill>
                 <a:latin typeface="Cascadia Mono" panose="020B0609020000020004" pitchFamily="49" charset="0"/>
               </a:rPr>
-              <a:t> Employee(</a:t>
+              <a:t> </a:t>
+            </a:r>
+            <a:r>
+              <a:rPr lang="en-US" sz="2400" dirty="0">
+                <a:solidFill>
+                  <a:srgbClr val="2B91AF"/>
+                </a:solidFill>
+                <a:latin typeface="Cascadia Mono" panose="020B0609020000020004" pitchFamily="49" charset="0"/>
+              </a:rPr>
+              <a:t>Employee</a:t>
+            </a:r>
+            <a:r>
+              <a:rPr lang="en-US" sz="2400" dirty="0">
+                <a:solidFill>
+                  <a:srgbClr val="000000"/>
+                </a:solidFill>
+                <a:latin typeface="Cascadia Mono" panose="020B0609020000020004" pitchFamily="49" charset="0"/>
+              </a:rPr>
+              <a:t>(</a:t>
             </a:r>
             <a:r>
               <a:rPr lang="en-US" sz="2400" dirty="0">
@@ -27934,11 +28067,20 @@
             <a:r>
               <a:rPr lang="en-US" sz="2400" dirty="0">
                 <a:solidFill>
-                  <a:srgbClr val="000000"/>
-                </a:solidFill>
-                <a:latin typeface="Cascadia Mono" panose="020B0609020000020004" pitchFamily="49" charset="0"/>
-              </a:rPr>
-              <a:t>Employee </a:t>
+                  <a:srgbClr val="2B91AF"/>
+                </a:solidFill>
+                <a:latin typeface="Cascadia Mono" panose="020B0609020000020004" pitchFamily="49" charset="0"/>
+              </a:rPr>
+              <a:t>Employee</a:t>
+            </a:r>
+            <a:r>
+              <a:rPr lang="en-US" sz="2400" dirty="0">
+                <a:solidFill>
+                  <a:srgbClr val="000000"/>
+                </a:solidFill>
+                <a:latin typeface="Cascadia Mono" panose="020B0609020000020004" pitchFamily="49" charset="0"/>
+              </a:rPr>
+              <a:t> </a:t>
             </a:r>
             <a:r>
               <a:rPr lang="en-US" sz="2400" dirty="0" err="1">
@@ -27956,7 +28098,25 @@
                 </a:solidFill>
                 <a:latin typeface="Cascadia Mono" panose="020B0609020000020004" pitchFamily="49" charset="0"/>
               </a:rPr>
-              <a:t> = (Employee)</a:t>
+              <a:t> = (</a:t>
+            </a:r>
+            <a:r>
+              <a:rPr lang="en-US" sz="2400" dirty="0">
+                <a:solidFill>
+                  <a:srgbClr val="2B91AF"/>
+                </a:solidFill>
+                <a:latin typeface="Cascadia Mono" panose="020B0609020000020004" pitchFamily="49" charset="0"/>
+              </a:rPr>
+              <a:t>Employee</a:t>
+            </a:r>
+            <a:r>
+              <a:rPr lang="en-US" sz="2400" dirty="0">
+                <a:solidFill>
+                  <a:srgbClr val="000000"/>
+                </a:solidFill>
+                <a:latin typeface="Cascadia Mono" panose="020B0609020000020004" pitchFamily="49" charset="0"/>
+              </a:rPr>
+              <a:t>)</a:t>
             </a:r>
             <a:r>
               <a:rPr lang="en-US" sz="2400" dirty="0" err="1">
@@ -28033,11 +28193,20 @@
             <a:r>
               <a:rPr lang="en-US" sz="2400" dirty="0">
                 <a:solidFill>
-                  <a:srgbClr val="000000"/>
-                </a:solidFill>
-                <a:latin typeface="Cascadia Mono" panose="020B0609020000020004" pitchFamily="49" charset="0"/>
-              </a:rPr>
-              <a:t>Person </a:t>
+                  <a:srgbClr val="2B91AF"/>
+                </a:solidFill>
+                <a:latin typeface="Cascadia Mono" panose="020B0609020000020004" pitchFamily="49" charset="0"/>
+              </a:rPr>
+              <a:t>Person</a:t>
+            </a:r>
+            <a:r>
+              <a:rPr lang="en-US" sz="2400" dirty="0">
+                <a:solidFill>
+                  <a:srgbClr val="000000"/>
+                </a:solidFill>
+                <a:latin typeface="Cascadia Mono" panose="020B0609020000020004" pitchFamily="49" charset="0"/>
+              </a:rPr>
+              <a:t> </a:t>
             </a:r>
             <a:r>
               <a:rPr lang="en-US" sz="2400" dirty="0" err="1">
@@ -28073,7 +28242,25 @@
                 </a:solidFill>
                 <a:latin typeface="Cascadia Mono" panose="020B0609020000020004" pitchFamily="49" charset="0"/>
               </a:rPr>
-              <a:t> Client(</a:t>
+              <a:t> </a:t>
+            </a:r>
+            <a:r>
+              <a:rPr lang="en-US" sz="2400" dirty="0">
+                <a:solidFill>
+                  <a:srgbClr val="2B91AF"/>
+                </a:solidFill>
+                <a:latin typeface="Cascadia Mono" panose="020B0609020000020004" pitchFamily="49" charset="0"/>
+              </a:rPr>
+              <a:t>Client</a:t>
+            </a:r>
+            <a:r>
+              <a:rPr lang="en-US" sz="2400" dirty="0">
+                <a:solidFill>
+                  <a:srgbClr val="000000"/>
+                </a:solidFill>
+                <a:latin typeface="Cascadia Mono" panose="020B0609020000020004" pitchFamily="49" charset="0"/>
+              </a:rPr>
+              <a:t>(</a:t>
             </a:r>
             <a:r>
               <a:rPr lang="en-US" sz="2400" dirty="0">
@@ -28184,11 +28371,20 @@
             <a:r>
               <a:rPr lang="en-US" sz="2400" dirty="0">
                 <a:solidFill>
-                  <a:srgbClr val="000000"/>
-                </a:solidFill>
-                <a:latin typeface="Cascadia Mono" panose="020B0609020000020004" pitchFamily="49" charset="0"/>
-              </a:rPr>
-              <a:t>Client </a:t>
+                  <a:srgbClr val="2B91AF"/>
+                </a:solidFill>
+                <a:latin typeface="Cascadia Mono" panose="020B0609020000020004" pitchFamily="49" charset="0"/>
+              </a:rPr>
+              <a:t>Client</a:t>
+            </a:r>
+            <a:r>
+              <a:rPr lang="en-US" sz="2400" dirty="0">
+                <a:solidFill>
+                  <a:srgbClr val="000000"/>
+                </a:solidFill>
+                <a:latin typeface="Cascadia Mono" panose="020B0609020000020004" pitchFamily="49" charset="0"/>
+              </a:rPr>
+              <a:t> </a:t>
             </a:r>
             <a:r>
               <a:rPr lang="en-US" sz="2400" dirty="0" err="1">
@@ -28206,7 +28402,31 @@
                 </a:solidFill>
                 <a:latin typeface="Cascadia Mono" panose="020B0609020000020004" pitchFamily="49" charset="0"/>
               </a:rPr>
-              <a:t> = (Client)person;</a:t>
+              <a:t> = (</a:t>
+            </a:r>
+            <a:r>
+              <a:rPr lang="en-US" sz="2400" dirty="0">
+                <a:solidFill>
+                  <a:srgbClr val="2B91AF"/>
+                </a:solidFill>
+                <a:latin typeface="Cascadia Mono" panose="020B0609020000020004" pitchFamily="49" charset="0"/>
+              </a:rPr>
+              <a:t>Client</a:t>
+            </a:r>
+            <a:r>
+              <a:rPr lang="en-US" sz="2400" dirty="0">
+                <a:latin typeface="Cascadia Mono" panose="020B0609020000020004" pitchFamily="49" charset="0"/>
+              </a:rPr>
+              <a:t>)person</a:t>
+            </a:r>
+            <a:r>
+              <a:rPr lang="en-US" sz="2400" dirty="0">
+                <a:solidFill>
+                  <a:srgbClr val="000000"/>
+                </a:solidFill>
+                <a:latin typeface="Cascadia Mono" panose="020B0609020000020004" pitchFamily="49" charset="0"/>
+              </a:rPr>
+              <a:t>;</a:t>
             </a:r>
             <a:endParaRPr lang="en-US" sz="2400" dirty="0">
               <a:solidFill>
@@ -28437,7 +28657,25 @@
                 </a:solidFill>
                 <a:latin typeface="Cascadia Mono" panose="020B0609020000020004" pitchFamily="49" charset="0"/>
               </a:rPr>
-              <a:t> Employee(</a:t>
+              <a:t> </a:t>
+            </a:r>
+            <a:r>
+              <a:rPr lang="en-US" sz="2400" dirty="0">
+                <a:solidFill>
+                  <a:srgbClr val="2B91AF"/>
+                </a:solidFill>
+                <a:latin typeface="Cascadia Mono" panose="020B0609020000020004" pitchFamily="49" charset="0"/>
+              </a:rPr>
+              <a:t>Employee</a:t>
+            </a:r>
+            <a:r>
+              <a:rPr lang="en-US" sz="2400" dirty="0">
+                <a:solidFill>
+                  <a:srgbClr val="000000"/>
+                </a:solidFill>
+                <a:latin typeface="Cascadia Mono" panose="020B0609020000020004" pitchFamily="49" charset="0"/>
+              </a:rPr>
+              <a:t>(</a:t>
             </a:r>
             <a:r>
               <a:rPr lang="en-US" sz="2400" dirty="0">
@@ -28545,7 +28783,25 @@
                 </a:solidFill>
                 <a:latin typeface="Cascadia Mono" panose="020B0609020000020004" pitchFamily="49" charset="0"/>
               </a:rPr>
-              <a:t> bank = ((Client)</a:t>
+              <a:t> bank = ((</a:t>
+            </a:r>
+            <a:r>
+              <a:rPr lang="en-US" sz="2400" dirty="0">
+                <a:solidFill>
+                  <a:srgbClr val="2B91AF"/>
+                </a:solidFill>
+                <a:latin typeface="Cascadia Mono" panose="020B0609020000020004" pitchFamily="49" charset="0"/>
+              </a:rPr>
+              <a:t>Client</a:t>
+            </a:r>
+            <a:r>
+              <a:rPr lang="en-US" sz="2400" dirty="0">
+                <a:solidFill>
+                  <a:srgbClr val="000000"/>
+                </a:solidFill>
+                <a:latin typeface="Cascadia Mono" panose="020B0609020000020004" pitchFamily="49" charset="0"/>
+              </a:rPr>
+              <a:t>)</a:t>
             </a:r>
             <a:r>
               <a:rPr lang="en-US" sz="2400" dirty="0" err="1">
@@ -28795,11 +29051,20 @@
             <a:r>
               <a:rPr lang="en-US" sz="2400" dirty="0">
                 <a:solidFill>
-                  <a:srgbClr val="000000"/>
-                </a:solidFill>
-                <a:latin typeface="Cascadia Mono" panose="020B0609020000020004" pitchFamily="49" charset="0"/>
-              </a:rPr>
-              <a:t>Employee employee1 = </a:t>
+                  <a:srgbClr val="2B91AF"/>
+                </a:solidFill>
+                <a:latin typeface="Cascadia Mono" panose="020B0609020000020004" pitchFamily="49" charset="0"/>
+              </a:rPr>
+              <a:t>Employee</a:t>
+            </a:r>
+            <a:r>
+              <a:rPr lang="en-US" sz="2400" dirty="0">
+                <a:solidFill>
+                  <a:srgbClr val="000000"/>
+                </a:solidFill>
+                <a:latin typeface="Cascadia Mono" panose="020B0609020000020004" pitchFamily="49" charset="0"/>
+              </a:rPr>
+              <a:t> employee1 = </a:t>
             </a:r>
             <a:r>
               <a:rPr lang="en-US" sz="2400" dirty="0">
@@ -28817,7 +29082,25 @@
                 </a:solidFill>
                 <a:latin typeface="Cascadia Mono" panose="020B0609020000020004" pitchFamily="49" charset="0"/>
               </a:rPr>
-              <a:t> Person(</a:t>
+              <a:t> </a:t>
+            </a:r>
+            <a:r>
+              <a:rPr lang="en-US" sz="2400" dirty="0">
+                <a:solidFill>
+                  <a:srgbClr val="2B91AF"/>
+                </a:solidFill>
+                <a:latin typeface="Cascadia Mono" panose="020B0609020000020004" pitchFamily="49" charset="0"/>
+              </a:rPr>
+              <a:t>Person</a:t>
+            </a:r>
+            <a:r>
+              <a:rPr lang="en-US" sz="2400" dirty="0">
+                <a:solidFill>
+                  <a:srgbClr val="000000"/>
+                </a:solidFill>
+                <a:latin typeface="Cascadia Mono" panose="020B0609020000020004" pitchFamily="49" charset="0"/>
+              </a:rPr>
+              <a:t>(</a:t>
             </a:r>
             <a:r>
               <a:rPr lang="en-US" sz="2400" dirty="0">
@@ -28874,11 +29157,20 @@
             <a:r>
               <a:rPr lang="en-US" sz="2400" dirty="0">
                 <a:solidFill>
-                  <a:srgbClr val="000000"/>
-                </a:solidFill>
-                <a:latin typeface="Cascadia Mono" panose="020B0609020000020004" pitchFamily="49" charset="0"/>
-              </a:rPr>
-              <a:t>Person </a:t>
+                  <a:srgbClr val="2B91AF"/>
+                </a:solidFill>
+                <a:latin typeface="Cascadia Mono" panose="020B0609020000020004" pitchFamily="49" charset="0"/>
+              </a:rPr>
+              <a:t>Person</a:t>
+            </a:r>
+            <a:r>
+              <a:rPr lang="en-US" sz="2400" dirty="0">
+                <a:solidFill>
+                  <a:srgbClr val="000000"/>
+                </a:solidFill>
+                <a:latin typeface="Cascadia Mono" panose="020B0609020000020004" pitchFamily="49" charset="0"/>
+              </a:rPr>
+              <a:t> </a:t>
             </a:r>
             <a:r>
               <a:rPr lang="en-US" sz="2400" dirty="0" err="1">
@@ -28914,7 +29206,25 @@
                 </a:solidFill>
                 <a:latin typeface="Cascadia Mono" panose="020B0609020000020004" pitchFamily="49" charset="0"/>
               </a:rPr>
-              <a:t> Person(</a:t>
+              <a:t> </a:t>
+            </a:r>
+            <a:r>
+              <a:rPr lang="en-US" sz="2400" dirty="0">
+                <a:solidFill>
+                  <a:srgbClr val="2B91AF"/>
+                </a:solidFill>
+                <a:latin typeface="Cascadia Mono" panose="020B0609020000020004" pitchFamily="49" charset="0"/>
+              </a:rPr>
+              <a:t>Person</a:t>
+            </a:r>
+            <a:r>
+              <a:rPr lang="en-US" sz="2400" dirty="0">
+                <a:solidFill>
+                  <a:srgbClr val="000000"/>
+                </a:solidFill>
+                <a:latin typeface="Cascadia Mono" panose="020B0609020000020004" pitchFamily="49" charset="0"/>
+              </a:rPr>
+              <a:t>(</a:t>
             </a:r>
             <a:r>
               <a:rPr lang="en-US" sz="2400" dirty="0">
@@ -28939,11 +29249,38 @@
             <a:r>
               <a:rPr lang="en-US" sz="2400" dirty="0">
                 <a:solidFill>
-                  <a:srgbClr val="000000"/>
-                </a:solidFill>
-                <a:latin typeface="Cascadia Mono" panose="020B0609020000020004" pitchFamily="49" charset="0"/>
-              </a:rPr>
-              <a:t>Employee employee2 = (Employee)person; </a:t>
+                  <a:srgbClr val="2B91AF"/>
+                </a:solidFill>
+                <a:latin typeface="Cascadia Mono" panose="020B0609020000020004" pitchFamily="49" charset="0"/>
+              </a:rPr>
+              <a:t>Employee</a:t>
+            </a:r>
+            <a:r>
+              <a:rPr lang="en-US" sz="2400" dirty="0">
+                <a:solidFill>
+                  <a:srgbClr val="000000"/>
+                </a:solidFill>
+                <a:latin typeface="Cascadia Mono" panose="020B0609020000020004" pitchFamily="49" charset="0"/>
+              </a:rPr>
+              <a:t> employee2 = (</a:t>
+            </a:r>
+            <a:r>
+              <a:rPr lang="en-US" sz="2400" dirty="0">
+                <a:solidFill>
+                  <a:srgbClr val="2B91AF"/>
+                </a:solidFill>
+                <a:latin typeface="Cascadia Mono" panose="020B0609020000020004" pitchFamily="49" charset="0"/>
+              </a:rPr>
+              <a:t>Employee</a:t>
+            </a:r>
+            <a:r>
+              <a:rPr lang="en-US" sz="2400" dirty="0">
+                <a:solidFill>
+                  <a:srgbClr val="000000"/>
+                </a:solidFill>
+                <a:latin typeface="Cascadia Mono" panose="020B0609020000020004" pitchFamily="49" charset="0"/>
+              </a:rPr>
+              <a:t>)person; </a:t>
             </a:r>
             <a:r>
               <a:rPr lang="en-US" sz="2400" dirty="0">
@@ -28991,215 +29328,143 @@
             </a:pPr>
             <a:r>
               <a:rPr lang="ru-RU" sz="2400" dirty="0" smtClean="0">
-                <a:solidFill>
-                  <a:srgbClr val="000000"/>
-                </a:solidFill>
                 <a:latin typeface="Bookman Old Style" panose="02050604050505020204" pitchFamily="18" charset="0"/>
               </a:rPr>
               <a:t>В данном </a:t>
             </a:r>
             <a:r>
               <a:rPr lang="ru-RU" sz="2400" dirty="0">
-                <a:solidFill>
-                  <a:srgbClr val="000000"/>
-                </a:solidFill>
                 <a:latin typeface="Bookman Old Style" panose="02050604050505020204" pitchFamily="18" charset="0"/>
               </a:rPr>
               <a:t>случае мы пытаемся преобразовать объект типа </a:t>
             </a:r>
             <a:r>
               <a:rPr lang="ru-RU" sz="2400" dirty="0" err="1">
-                <a:solidFill>
-                  <a:srgbClr val="000000"/>
-                </a:solidFill>
                 <a:latin typeface="Bookman Old Style" panose="02050604050505020204" pitchFamily="18" charset="0"/>
               </a:rPr>
               <a:t>Person</a:t>
             </a:r>
             <a:r>
               <a:rPr lang="ru-RU" sz="2400" dirty="0">
-                <a:solidFill>
-                  <a:srgbClr val="000000"/>
-                </a:solidFill>
                 <a:latin typeface="Bookman Old Style" panose="02050604050505020204" pitchFamily="18" charset="0"/>
               </a:rPr>
               <a:t> к типу </a:t>
             </a:r>
             <a:r>
               <a:rPr lang="ru-RU" sz="2400" dirty="0" err="1">
-                <a:solidFill>
-                  <a:srgbClr val="000000"/>
-                </a:solidFill>
                 <a:latin typeface="Bookman Old Style" panose="02050604050505020204" pitchFamily="18" charset="0"/>
               </a:rPr>
               <a:t>Employee</a:t>
             </a:r>
             <a:r>
               <a:rPr lang="ru-RU" sz="2400" dirty="0">
-                <a:solidFill>
-                  <a:srgbClr val="000000"/>
-                </a:solidFill>
                 <a:latin typeface="Bookman Old Style" panose="02050604050505020204" pitchFamily="18" charset="0"/>
               </a:rPr>
               <a:t>, а объект </a:t>
             </a:r>
             <a:r>
               <a:rPr lang="ru-RU" sz="2400" dirty="0" err="1">
-                <a:solidFill>
-                  <a:srgbClr val="000000"/>
-                </a:solidFill>
                 <a:latin typeface="Bookman Old Style" panose="02050604050505020204" pitchFamily="18" charset="0"/>
               </a:rPr>
               <a:t>Person</a:t>
             </a:r>
             <a:r>
               <a:rPr lang="ru-RU" sz="2400" dirty="0">
-                <a:solidFill>
-                  <a:srgbClr val="000000"/>
-                </a:solidFill>
                 <a:latin typeface="Bookman Old Style" panose="02050604050505020204" pitchFamily="18" charset="0"/>
               </a:rPr>
               <a:t> не является объектом </a:t>
             </a:r>
             <a:r>
               <a:rPr lang="ru-RU" sz="2400" dirty="0" err="1">
-                <a:solidFill>
-                  <a:srgbClr val="000000"/>
-                </a:solidFill>
                 <a:latin typeface="Bookman Old Style" panose="02050604050505020204" pitchFamily="18" charset="0"/>
               </a:rPr>
               <a:t>Employee</a:t>
             </a:r>
             <a:r>
               <a:rPr lang="ru-RU" sz="2400" dirty="0">
-                <a:solidFill>
-                  <a:srgbClr val="000000"/>
-                </a:solidFill>
                 <a:latin typeface="Bookman Old Style" panose="02050604050505020204" pitchFamily="18" charset="0"/>
               </a:rPr>
               <a:t>. Причем в последнем случае </a:t>
             </a:r>
             <a:r>
               <a:rPr lang="ru-RU" sz="2400" dirty="0" err="1">
-                <a:solidFill>
-                  <a:srgbClr val="000000"/>
-                </a:solidFill>
                 <a:latin typeface="Bookman Old Style" panose="02050604050505020204" pitchFamily="18" charset="0"/>
               </a:rPr>
               <a:t>Visual</a:t>
             </a:r>
             <a:r>
               <a:rPr lang="ru-RU" sz="2400" dirty="0">
-                <a:solidFill>
-                  <a:srgbClr val="000000"/>
-                </a:solidFill>
                 <a:latin typeface="Bookman Old Style" panose="02050604050505020204" pitchFamily="18" charset="0"/>
               </a:rPr>
               <a:t> </a:t>
             </a:r>
             <a:r>
               <a:rPr lang="ru-RU" sz="2400" dirty="0" err="1">
-                <a:solidFill>
-                  <a:srgbClr val="000000"/>
-                </a:solidFill>
                 <a:latin typeface="Bookman Old Style" panose="02050604050505020204" pitchFamily="18" charset="0"/>
               </a:rPr>
               <a:t>Studio</a:t>
             </a:r>
             <a:r>
               <a:rPr lang="ru-RU" sz="2400" dirty="0">
-                <a:solidFill>
-                  <a:srgbClr val="000000"/>
-                </a:solidFill>
                 <a:latin typeface="Bookman Old Style" panose="02050604050505020204" pitchFamily="18" charset="0"/>
               </a:rPr>
               <a:t> не </a:t>
             </a:r>
             <a:r>
               <a:rPr lang="ru-RU" sz="2400" dirty="0" smtClean="0">
-                <a:solidFill>
-                  <a:srgbClr val="000000"/>
-                </a:solidFill>
                 <a:latin typeface="Bookman Old Style" panose="02050604050505020204" pitchFamily="18" charset="0"/>
               </a:rPr>
               <a:t>подскажет</a:t>
             </a:r>
             <a:r>
               <a:rPr lang="ru-RU" sz="2400" dirty="0">
-                <a:solidFill>
-                  <a:srgbClr val="000000"/>
-                </a:solidFill>
                 <a:latin typeface="Bookman Old Style" panose="02050604050505020204" pitchFamily="18" charset="0"/>
               </a:rPr>
               <a:t>, что в данной строке ошибка, и данная строка даже нормально </a:t>
             </a:r>
             <a:r>
               <a:rPr lang="ru-RU" sz="2400" dirty="0" err="1">
-                <a:solidFill>
-                  <a:srgbClr val="000000"/>
-                </a:solidFill>
                 <a:latin typeface="Bookman Old Style" panose="02050604050505020204" pitchFamily="18" charset="0"/>
               </a:rPr>
               <a:t>скомилируется</a:t>
             </a:r>
             <a:r>
               <a:rPr lang="ru-RU" sz="2400" dirty="0">
-                <a:solidFill>
-                  <a:srgbClr val="000000"/>
-                </a:solidFill>
                 <a:latin typeface="Bookman Old Style" panose="02050604050505020204" pitchFamily="18" charset="0"/>
               </a:rPr>
               <a:t>, тем не менее в процессе выполнения программы мы получим </a:t>
             </a:r>
             <a:r>
               <a:rPr lang="ru-RU" sz="2400" dirty="0" smtClean="0">
-                <a:solidFill>
-                  <a:srgbClr val="000000"/>
-                </a:solidFill>
                 <a:latin typeface="Bookman Old Style" panose="02050604050505020204" pitchFamily="18" charset="0"/>
               </a:rPr>
               <a:t>ошибку</a:t>
             </a:r>
             <a:r>
               <a:rPr lang="ru-RU" sz="2400" dirty="0">
-                <a:solidFill>
-                  <a:srgbClr val="000000"/>
-                </a:solidFill>
                 <a:latin typeface="Bookman Old Style" panose="02050604050505020204" pitchFamily="18" charset="0"/>
               </a:rPr>
               <a:t>. В этом в том числе и </a:t>
             </a:r>
             <a:r>
               <a:rPr lang="ru-RU" sz="2400" dirty="0" smtClean="0">
-                <a:solidFill>
-                  <a:srgbClr val="000000"/>
-                </a:solidFill>
                 <a:latin typeface="Bookman Old Style" panose="02050604050505020204" pitchFamily="18" charset="0"/>
               </a:rPr>
               <a:t>кроется </a:t>
             </a:r>
             <a:r>
               <a:rPr lang="ru-RU" sz="2400" dirty="0">
-                <a:solidFill>
-                  <a:srgbClr val="000000"/>
-                </a:solidFill>
                 <a:latin typeface="Bookman Old Style" panose="02050604050505020204" pitchFamily="18" charset="0"/>
               </a:rPr>
               <a:t>коварство преобразований, поэтому в подобных ситуациях надо проявлять осторожность</a:t>
             </a:r>
             <a:r>
               <a:rPr lang="ru-RU" sz="2400" dirty="0" smtClean="0">
-                <a:solidFill>
-                  <a:srgbClr val="000000"/>
-                </a:solidFill>
                 <a:latin typeface="Bookman Old Style" panose="02050604050505020204" pitchFamily="18" charset="0"/>
               </a:rPr>
               <a:t>.</a:t>
             </a:r>
             <a:endParaRPr lang="ru-RU" sz="2400" dirty="0">
-              <a:solidFill>
-                <a:srgbClr val="000000"/>
-              </a:solidFill>
               <a:latin typeface="Bookman Old Style" panose="02050604050505020204" pitchFamily="18" charset="0"/>
             </a:endParaRPr>
           </a:p>
@@ -29324,11 +29589,20 @@
             <a:r>
               <a:rPr lang="en-US" sz="2400" dirty="0">
                 <a:solidFill>
-                  <a:srgbClr val="000000"/>
-                </a:solidFill>
-                <a:latin typeface="Cascadia Mono" panose="020B0609020000020004" pitchFamily="49" charset="0"/>
-              </a:rPr>
-              <a:t>Person </a:t>
+                  <a:srgbClr val="2B91AF"/>
+                </a:solidFill>
+                <a:latin typeface="Cascadia Mono" panose="020B0609020000020004" pitchFamily="49" charset="0"/>
+              </a:rPr>
+              <a:t>Person</a:t>
+            </a:r>
+            <a:r>
+              <a:rPr lang="en-US" sz="2400" dirty="0">
+                <a:solidFill>
+                  <a:srgbClr val="000000"/>
+                </a:solidFill>
+                <a:latin typeface="Cascadia Mono" panose="020B0609020000020004" pitchFamily="49" charset="0"/>
+              </a:rPr>
+              <a:t> </a:t>
             </a:r>
             <a:r>
               <a:rPr lang="en-US" sz="2400" dirty="0" err="1">
@@ -29364,7 +29638,25 @@
                 </a:solidFill>
                 <a:latin typeface="Cascadia Mono" panose="020B0609020000020004" pitchFamily="49" charset="0"/>
               </a:rPr>
-              <a:t> Person(</a:t>
+              <a:t> </a:t>
+            </a:r>
+            <a:r>
+              <a:rPr lang="en-US" sz="2400" dirty="0">
+                <a:solidFill>
+                  <a:srgbClr val="2B91AF"/>
+                </a:solidFill>
+                <a:latin typeface="Cascadia Mono" panose="020B0609020000020004" pitchFamily="49" charset="0"/>
+              </a:rPr>
+              <a:t>Person</a:t>
+            </a:r>
+            <a:r>
+              <a:rPr lang="en-US" sz="2400" dirty="0">
+                <a:solidFill>
+                  <a:srgbClr val="000000"/>
+                </a:solidFill>
+                <a:latin typeface="Cascadia Mono" panose="020B0609020000020004" pitchFamily="49" charset="0"/>
+              </a:rPr>
+              <a:t>(</a:t>
             </a:r>
             <a:r>
               <a:rPr lang="en-US" sz="2400" dirty="0">
@@ -29389,11 +29681,20 @@
             <a:r>
               <a:rPr lang="en-US" sz="2400" dirty="0">
                 <a:solidFill>
-                  <a:srgbClr val="000000"/>
-                </a:solidFill>
-                <a:latin typeface="Cascadia Mono" panose="020B0609020000020004" pitchFamily="49" charset="0"/>
-              </a:rPr>
-              <a:t>Employee? employee = person </a:t>
+                  <a:srgbClr val="2B91AF"/>
+                </a:solidFill>
+                <a:latin typeface="Cascadia Mono" panose="020B0609020000020004" pitchFamily="49" charset="0"/>
+              </a:rPr>
+              <a:t>Employee</a:t>
+            </a:r>
+            <a:r>
+              <a:rPr lang="en-US" sz="2400" dirty="0">
+                <a:solidFill>
+                  <a:srgbClr val="000000"/>
+                </a:solidFill>
+                <a:latin typeface="Cascadia Mono" panose="020B0609020000020004" pitchFamily="49" charset="0"/>
+              </a:rPr>
+              <a:t>? employee = person </a:t>
             </a:r>
             <a:r>
               <a:rPr lang="en-US" sz="2400" dirty="0">
@@ -29411,7 +29712,25 @@
                 </a:solidFill>
                 <a:latin typeface="Cascadia Mono" panose="020B0609020000020004" pitchFamily="49" charset="0"/>
               </a:rPr>
-              <a:t> Employee;</a:t>
+              <a:t> </a:t>
+            </a:r>
+            <a:r>
+              <a:rPr lang="en-US" sz="2400" dirty="0">
+                <a:solidFill>
+                  <a:srgbClr val="2B91AF"/>
+                </a:solidFill>
+                <a:latin typeface="Cascadia Mono" panose="020B0609020000020004" pitchFamily="49" charset="0"/>
+              </a:rPr>
+              <a:t>Employee</a:t>
+            </a:r>
+            <a:r>
+              <a:rPr lang="en-US" sz="2400" dirty="0">
+                <a:solidFill>
+                  <a:srgbClr val="000000"/>
+                </a:solidFill>
+                <a:latin typeface="Cascadia Mono" panose="020B0609020000020004" pitchFamily="49" charset="0"/>
+              </a:rPr>
+              <a:t>;</a:t>
             </a:r>
           </a:p>
           <a:p>
@@ -29476,11 +29795,20 @@
             <a:r>
               <a:rPr lang="en-US" sz="2400" dirty="0" err="1">
                 <a:solidFill>
-                  <a:srgbClr val="000000"/>
-                </a:solidFill>
-                <a:latin typeface="Cascadia Mono" panose="020B0609020000020004" pitchFamily="49" charset="0"/>
-              </a:rPr>
-              <a:t>Console.WriteLine</a:t>
+                  <a:srgbClr val="2B91AF"/>
+                </a:solidFill>
+                <a:latin typeface="Cascadia Mono" panose="020B0609020000020004" pitchFamily="49" charset="0"/>
+              </a:rPr>
+              <a:t>Console</a:t>
+            </a:r>
+            <a:r>
+              <a:rPr lang="en-US" sz="2400" dirty="0" err="1">
+                <a:solidFill>
+                  <a:srgbClr val="000000"/>
+                </a:solidFill>
+                <a:latin typeface="Cascadia Mono" panose="020B0609020000020004" pitchFamily="49" charset="0"/>
+              </a:rPr>
+              <a:t>.WriteLine</a:t>
             </a:r>
             <a:r>
               <a:rPr lang="en-US" sz="2400" dirty="0">
@@ -29571,11 +29899,20 @@
             <a:r>
               <a:rPr lang="en-US" sz="2400" dirty="0" err="1">
                 <a:solidFill>
-                  <a:srgbClr val="000000"/>
-                </a:solidFill>
-                <a:latin typeface="Cascadia Mono" panose="020B0609020000020004" pitchFamily="49" charset="0"/>
-              </a:rPr>
-              <a:t>Console.WriteLine</a:t>
+                  <a:srgbClr val="2B91AF"/>
+                </a:solidFill>
+                <a:latin typeface="Cascadia Mono" panose="020B0609020000020004" pitchFamily="49" charset="0"/>
+              </a:rPr>
+              <a:t>Console</a:t>
+            </a:r>
+            <a:r>
+              <a:rPr lang="en-US" sz="2400" dirty="0" err="1">
+                <a:solidFill>
+                  <a:srgbClr val="000000"/>
+                </a:solidFill>
+                <a:latin typeface="Cascadia Mono" panose="020B0609020000020004" pitchFamily="49" charset="0"/>
+              </a:rPr>
+              <a:t>.WriteLine</a:t>
             </a:r>
             <a:r>
               <a:rPr lang="en-US" sz="2400" dirty="0">
@@ -30244,19 +30581,19 @@
               <a:t> </a:t>
             </a:r>
             <a:r>
-              <a:rPr lang="ru-RU" sz="2400" b="1" dirty="0" smtClean="0">
-                <a:solidFill>
-                  <a:srgbClr val="00B0F0"/>
-                </a:solidFill>
-                <a:latin typeface="Bookman Old Style" panose="02050604050505020204" pitchFamily="18" charset="0"/>
+              <a:rPr lang="ru-RU" sz="2400" dirty="0">
+                <a:solidFill>
+                  <a:srgbClr val="2B91AF"/>
+                </a:solidFill>
+                <a:latin typeface="Cascadia Mono" panose="020B0609020000020004" pitchFamily="49" charset="0"/>
               </a:rPr>
               <a:t>тип</a:t>
             </a:r>
-            <a:endParaRPr lang="en-US" sz="2400" b="1" dirty="0" smtClean="0">
+            <a:endParaRPr lang="en-US" sz="2400" dirty="0">
               <a:solidFill>
-                <a:srgbClr val="00B0F0"/>
+                <a:srgbClr val="2B91AF"/>
               </a:solidFill>
-              <a:latin typeface="Bookman Old Style" panose="02050604050505020204" pitchFamily="18" charset="0"/>
+              <a:latin typeface="Cascadia Mono" panose="020B0609020000020004" pitchFamily="49" charset="0"/>
             </a:endParaRPr>
           </a:p>
           <a:p>
@@ -30632,11 +30969,20 @@
             <a:r>
               <a:rPr lang="en-US" sz="2400" dirty="0">
                 <a:solidFill>
-                  <a:srgbClr val="000000"/>
-                </a:solidFill>
-                <a:latin typeface="Cascadia Mono" panose="020B0609020000020004" pitchFamily="49" charset="0"/>
-              </a:rPr>
-              <a:t>Person </a:t>
+                  <a:srgbClr val="2B91AF"/>
+                </a:solidFill>
+                <a:latin typeface="Cascadia Mono" panose="020B0609020000020004" pitchFamily="49" charset="0"/>
+              </a:rPr>
+              <a:t>Person</a:t>
+            </a:r>
+            <a:r>
+              <a:rPr lang="en-US" sz="2400" dirty="0">
+                <a:solidFill>
+                  <a:srgbClr val="000000"/>
+                </a:solidFill>
+                <a:latin typeface="Cascadia Mono" panose="020B0609020000020004" pitchFamily="49" charset="0"/>
+              </a:rPr>
+              <a:t> </a:t>
             </a:r>
             <a:r>
               <a:rPr lang="en-US" sz="2400" dirty="0" err="1">
@@ -30672,7 +31018,25 @@
                 </a:solidFill>
                 <a:latin typeface="Cascadia Mono" panose="020B0609020000020004" pitchFamily="49" charset="0"/>
               </a:rPr>
-              <a:t> Person(</a:t>
+              <a:t> </a:t>
+            </a:r>
+            <a:r>
+              <a:rPr lang="en-US" sz="2400" dirty="0">
+                <a:solidFill>
+                  <a:srgbClr val="2B91AF"/>
+                </a:solidFill>
+                <a:latin typeface="Cascadia Mono" panose="020B0609020000020004" pitchFamily="49" charset="0"/>
+              </a:rPr>
+              <a:t>Person</a:t>
+            </a:r>
+            <a:r>
+              <a:rPr lang="en-US" sz="2400" dirty="0">
+                <a:solidFill>
+                  <a:srgbClr val="000000"/>
+                </a:solidFill>
+                <a:latin typeface="Cascadia Mono" panose="020B0609020000020004" pitchFamily="49" charset="0"/>
+              </a:rPr>
+              <a:t>(</a:t>
             </a:r>
             <a:r>
               <a:rPr lang="en-US" sz="2400" dirty="0">
@@ -30728,7 +31092,25 @@
                 </a:solidFill>
                 <a:latin typeface="Cascadia Mono" panose="020B0609020000020004" pitchFamily="49" charset="0"/>
               </a:rPr>
-              <a:t> Employee employee) </a:t>
+              <a:t> </a:t>
+            </a:r>
+            <a:r>
+              <a:rPr lang="en-US" sz="2400" dirty="0">
+                <a:solidFill>
+                  <a:srgbClr val="2B91AF"/>
+                </a:solidFill>
+                <a:latin typeface="Cascadia Mono" panose="020B0609020000020004" pitchFamily="49" charset="0"/>
+              </a:rPr>
+              <a:t>Employee</a:t>
+            </a:r>
+            <a:r>
+              <a:rPr lang="en-US" sz="2400" dirty="0">
+                <a:solidFill>
+                  <a:srgbClr val="000000"/>
+                </a:solidFill>
+                <a:latin typeface="Cascadia Mono" panose="020B0609020000020004" pitchFamily="49" charset="0"/>
+              </a:rPr>
+              <a:t> employee) </a:t>
             </a:r>
             <a:r>
               <a:rPr lang="en-US" sz="2400" dirty="0">
@@ -31037,279 +31419,186 @@
             </a:pPr>
             <a:r>
               <a:rPr lang="ru-RU" sz="2400" dirty="0" smtClean="0">
-                <a:solidFill>
-                  <a:srgbClr val="000000"/>
-                </a:solidFill>
                 <a:latin typeface="Bookman Old Style" panose="02050604050505020204" pitchFamily="18" charset="0"/>
               </a:rPr>
               <a:t>Выражение </a:t>
             </a:r>
             <a:r>
               <a:rPr lang="ru-RU" sz="2400" dirty="0" err="1">
-                <a:solidFill>
-                  <a:srgbClr val="000000"/>
-                </a:solidFill>
                 <a:latin typeface="Bookman Old Style" panose="02050604050505020204" pitchFamily="18" charset="0"/>
               </a:rPr>
               <a:t>if</a:t>
             </a:r>
             <a:r>
               <a:rPr lang="ru-RU" sz="2400" dirty="0">
-                <a:solidFill>
-                  <a:srgbClr val="000000"/>
-                </a:solidFill>
                 <a:latin typeface="Bookman Old Style" panose="02050604050505020204" pitchFamily="18" charset="0"/>
               </a:rPr>
               <a:t> (</a:t>
             </a:r>
             <a:r>
               <a:rPr lang="ru-RU" sz="2400" dirty="0" err="1">
-                <a:solidFill>
-                  <a:srgbClr val="000000"/>
-                </a:solidFill>
                 <a:latin typeface="Bookman Old Style" panose="02050604050505020204" pitchFamily="18" charset="0"/>
               </a:rPr>
               <a:t>person</a:t>
             </a:r>
             <a:r>
               <a:rPr lang="ru-RU" sz="2400" dirty="0">
-                <a:solidFill>
-                  <a:srgbClr val="000000"/>
-                </a:solidFill>
                 <a:latin typeface="Bookman Old Style" panose="02050604050505020204" pitchFamily="18" charset="0"/>
               </a:rPr>
               <a:t> </a:t>
             </a:r>
             <a:r>
               <a:rPr lang="ru-RU" sz="2400" dirty="0" err="1">
-                <a:solidFill>
-                  <a:srgbClr val="000000"/>
-                </a:solidFill>
                 <a:latin typeface="Bookman Old Style" panose="02050604050505020204" pitchFamily="18" charset="0"/>
               </a:rPr>
               <a:t>is</a:t>
             </a:r>
             <a:r>
               <a:rPr lang="ru-RU" sz="2400" dirty="0">
-                <a:solidFill>
-                  <a:srgbClr val="000000"/>
-                </a:solidFill>
                 <a:latin typeface="Bookman Old Style" panose="02050604050505020204" pitchFamily="18" charset="0"/>
               </a:rPr>
               <a:t> </a:t>
             </a:r>
             <a:r>
               <a:rPr lang="ru-RU" sz="2400" dirty="0" err="1">
-                <a:solidFill>
-                  <a:srgbClr val="000000"/>
-                </a:solidFill>
                 <a:latin typeface="Bookman Old Style" panose="02050604050505020204" pitchFamily="18" charset="0"/>
               </a:rPr>
               <a:t>Employee</a:t>
             </a:r>
             <a:r>
               <a:rPr lang="ru-RU" sz="2400" dirty="0">
-                <a:solidFill>
-                  <a:srgbClr val="000000"/>
-                </a:solidFill>
                 <a:latin typeface="Bookman Old Style" panose="02050604050505020204" pitchFamily="18" charset="0"/>
               </a:rPr>
               <a:t> </a:t>
             </a:r>
             <a:r>
               <a:rPr lang="ru-RU" sz="2400" dirty="0" err="1">
-                <a:solidFill>
-                  <a:srgbClr val="000000"/>
-                </a:solidFill>
                 <a:latin typeface="Bookman Old Style" panose="02050604050505020204" pitchFamily="18" charset="0"/>
               </a:rPr>
               <a:t>employee</a:t>
             </a:r>
             <a:r>
               <a:rPr lang="ru-RU" sz="2400" dirty="0">
-                <a:solidFill>
-                  <a:srgbClr val="000000"/>
-                </a:solidFill>
                 <a:latin typeface="Bookman Old Style" panose="02050604050505020204" pitchFamily="18" charset="0"/>
               </a:rPr>
               <a:t>) проверяет, является ли переменная </a:t>
             </a:r>
             <a:r>
               <a:rPr lang="ru-RU" sz="2400" dirty="0" err="1">
-                <a:solidFill>
-                  <a:srgbClr val="000000"/>
-                </a:solidFill>
                 <a:latin typeface="Bookman Old Style" panose="02050604050505020204" pitchFamily="18" charset="0"/>
               </a:rPr>
               <a:t>person</a:t>
             </a:r>
             <a:r>
               <a:rPr lang="ru-RU" sz="2400" dirty="0">
-                <a:solidFill>
-                  <a:srgbClr val="000000"/>
-                </a:solidFill>
                 <a:latin typeface="Bookman Old Style" panose="02050604050505020204" pitchFamily="18" charset="0"/>
               </a:rPr>
               <a:t> объектом типа </a:t>
             </a:r>
             <a:r>
               <a:rPr lang="ru-RU" sz="2400" dirty="0" err="1">
-                <a:solidFill>
-                  <a:srgbClr val="000000"/>
-                </a:solidFill>
                 <a:latin typeface="Bookman Old Style" panose="02050604050505020204" pitchFamily="18" charset="0"/>
               </a:rPr>
               <a:t>Employee</a:t>
             </a:r>
             <a:r>
               <a:rPr lang="ru-RU" sz="2400" dirty="0">
-                <a:solidFill>
-                  <a:srgbClr val="000000"/>
-                </a:solidFill>
                 <a:latin typeface="Bookman Old Style" panose="02050604050505020204" pitchFamily="18" charset="0"/>
               </a:rPr>
               <a:t>. И если </a:t>
             </a:r>
             <a:r>
               <a:rPr lang="ru-RU" sz="2400" dirty="0" err="1">
-                <a:solidFill>
-                  <a:srgbClr val="000000"/>
-                </a:solidFill>
                 <a:latin typeface="Bookman Old Style" panose="02050604050505020204" pitchFamily="18" charset="0"/>
               </a:rPr>
               <a:t>person</a:t>
             </a:r>
             <a:r>
               <a:rPr lang="ru-RU" sz="2400" dirty="0">
-                <a:solidFill>
-                  <a:srgbClr val="000000"/>
-                </a:solidFill>
                 <a:latin typeface="Bookman Old Style" panose="02050604050505020204" pitchFamily="18" charset="0"/>
               </a:rPr>
               <a:t> является объектом </a:t>
             </a:r>
             <a:r>
               <a:rPr lang="ru-RU" sz="2400" dirty="0" err="1">
-                <a:solidFill>
-                  <a:srgbClr val="000000"/>
-                </a:solidFill>
                 <a:latin typeface="Bookman Old Style" panose="02050604050505020204" pitchFamily="18" charset="0"/>
               </a:rPr>
               <a:t>Employee</a:t>
             </a:r>
             <a:r>
               <a:rPr lang="ru-RU" sz="2400" dirty="0">
-                <a:solidFill>
-                  <a:srgbClr val="000000"/>
-                </a:solidFill>
                 <a:latin typeface="Bookman Old Style" panose="02050604050505020204" pitchFamily="18" charset="0"/>
               </a:rPr>
               <a:t>, то автоматически преобразует значение переменной </a:t>
             </a:r>
             <a:r>
               <a:rPr lang="ru-RU" sz="2400" dirty="0" err="1">
-                <a:solidFill>
-                  <a:srgbClr val="000000"/>
-                </a:solidFill>
                 <a:latin typeface="Bookman Old Style" panose="02050604050505020204" pitchFamily="18" charset="0"/>
               </a:rPr>
               <a:t>person</a:t>
             </a:r>
             <a:r>
               <a:rPr lang="ru-RU" sz="2400" dirty="0">
-                <a:solidFill>
-                  <a:srgbClr val="000000"/>
-                </a:solidFill>
                 <a:latin typeface="Bookman Old Style" panose="02050604050505020204" pitchFamily="18" charset="0"/>
               </a:rPr>
               <a:t> в тип </a:t>
             </a:r>
             <a:r>
               <a:rPr lang="ru-RU" sz="2400" dirty="0" err="1">
-                <a:solidFill>
-                  <a:srgbClr val="000000"/>
-                </a:solidFill>
                 <a:latin typeface="Bookman Old Style" panose="02050604050505020204" pitchFamily="18" charset="0"/>
               </a:rPr>
               <a:t>Employee</a:t>
             </a:r>
             <a:r>
               <a:rPr lang="ru-RU" sz="2400" dirty="0">
-                <a:solidFill>
-                  <a:srgbClr val="000000"/>
-                </a:solidFill>
                 <a:latin typeface="Bookman Old Style" panose="02050604050505020204" pitchFamily="18" charset="0"/>
               </a:rPr>
               <a:t> и преобразованное значение сохраняет в переменную </a:t>
             </a:r>
             <a:r>
               <a:rPr lang="ru-RU" sz="2400" dirty="0" err="1">
-                <a:solidFill>
-                  <a:srgbClr val="000000"/>
-                </a:solidFill>
                 <a:latin typeface="Bookman Old Style" panose="02050604050505020204" pitchFamily="18" charset="0"/>
               </a:rPr>
               <a:t>employee</a:t>
             </a:r>
             <a:r>
               <a:rPr lang="ru-RU" sz="2400" dirty="0">
-                <a:solidFill>
-                  <a:srgbClr val="000000"/>
-                </a:solidFill>
                 <a:latin typeface="Bookman Old Style" panose="02050604050505020204" pitchFamily="18" charset="0"/>
               </a:rPr>
               <a:t>. Далее в блоке </a:t>
             </a:r>
             <a:r>
               <a:rPr lang="ru-RU" sz="2400" dirty="0" err="1">
-                <a:solidFill>
-                  <a:srgbClr val="000000"/>
-                </a:solidFill>
                 <a:latin typeface="Bookman Old Style" panose="02050604050505020204" pitchFamily="18" charset="0"/>
               </a:rPr>
               <a:t>if</a:t>
             </a:r>
             <a:r>
               <a:rPr lang="ru-RU" sz="2400" dirty="0">
-                <a:solidFill>
-                  <a:srgbClr val="000000"/>
-                </a:solidFill>
                 <a:latin typeface="Bookman Old Style" panose="02050604050505020204" pitchFamily="18" charset="0"/>
               </a:rPr>
               <a:t> мы можем использовать объект </a:t>
             </a:r>
             <a:r>
               <a:rPr lang="ru-RU" sz="2400" dirty="0" err="1">
-                <a:solidFill>
-                  <a:srgbClr val="000000"/>
-                </a:solidFill>
                 <a:latin typeface="Bookman Old Style" panose="02050604050505020204" pitchFamily="18" charset="0"/>
               </a:rPr>
               <a:t>employee</a:t>
             </a:r>
             <a:r>
               <a:rPr lang="ru-RU" sz="2400" dirty="0">
-                <a:solidFill>
-                  <a:srgbClr val="000000"/>
-                </a:solidFill>
                 <a:latin typeface="Bookman Old Style" panose="02050604050505020204" pitchFamily="18" charset="0"/>
               </a:rPr>
               <a:t> как значение типа </a:t>
             </a:r>
             <a:r>
               <a:rPr lang="ru-RU" sz="2400" dirty="0" err="1">
-                <a:solidFill>
-                  <a:srgbClr val="000000"/>
-                </a:solidFill>
                 <a:latin typeface="Bookman Old Style" panose="02050604050505020204" pitchFamily="18" charset="0"/>
               </a:rPr>
               <a:t>Employee</a:t>
             </a:r>
             <a:r>
               <a:rPr lang="ru-RU" sz="2400" dirty="0">
-                <a:solidFill>
-                  <a:srgbClr val="000000"/>
-                </a:solidFill>
                 <a:latin typeface="Bookman Old Style" panose="02050604050505020204" pitchFamily="18" charset="0"/>
               </a:rPr>
               <a:t>.</a:t>
@@ -31322,9 +31611,6 @@
               </a:lnSpc>
             </a:pPr>
             <a:endParaRPr lang="ru-RU" sz="2400" dirty="0">
-              <a:solidFill>
-                <a:srgbClr val="000000"/>
-              </a:solidFill>
               <a:latin typeface="Bookman Old Style" panose="02050604050505020204" pitchFamily="18" charset="0"/>
             </a:endParaRPr>
           </a:p>
@@ -31336,71 +31622,47 @@
             </a:pPr>
             <a:r>
               <a:rPr lang="ru-RU" sz="2400" dirty="0">
-                <a:solidFill>
-                  <a:srgbClr val="000000"/>
-                </a:solidFill>
                 <a:latin typeface="Bookman Old Style" panose="02050604050505020204" pitchFamily="18" charset="0"/>
               </a:rPr>
               <a:t>Однако, если </a:t>
             </a:r>
             <a:r>
               <a:rPr lang="ru-RU" sz="2400" dirty="0" err="1">
-                <a:solidFill>
-                  <a:srgbClr val="000000"/>
-                </a:solidFill>
                 <a:latin typeface="Bookman Old Style" panose="02050604050505020204" pitchFamily="18" charset="0"/>
               </a:rPr>
               <a:t>person</a:t>
             </a:r>
             <a:r>
               <a:rPr lang="ru-RU" sz="2400" dirty="0">
-                <a:solidFill>
-                  <a:srgbClr val="000000"/>
-                </a:solidFill>
                 <a:latin typeface="Bookman Old Style" panose="02050604050505020204" pitchFamily="18" charset="0"/>
               </a:rPr>
               <a:t> не является объектом </a:t>
             </a:r>
             <a:r>
               <a:rPr lang="ru-RU" sz="2400" dirty="0" err="1">
-                <a:solidFill>
-                  <a:srgbClr val="000000"/>
-                </a:solidFill>
                 <a:latin typeface="Bookman Old Style" panose="02050604050505020204" pitchFamily="18" charset="0"/>
               </a:rPr>
               <a:t>Employee</a:t>
             </a:r>
             <a:r>
               <a:rPr lang="ru-RU" sz="2400" dirty="0">
-                <a:solidFill>
-                  <a:srgbClr val="000000"/>
-                </a:solidFill>
                 <a:latin typeface="Bookman Old Style" panose="02050604050505020204" pitchFamily="18" charset="0"/>
               </a:rPr>
               <a:t>, как в данном случае, то такая проверка вернет значение </a:t>
             </a:r>
             <a:r>
               <a:rPr lang="ru-RU" sz="2400" dirty="0" err="1">
-                <a:solidFill>
-                  <a:srgbClr val="000000"/>
-                </a:solidFill>
                 <a:latin typeface="Bookman Old Style" panose="02050604050505020204" pitchFamily="18" charset="0"/>
               </a:rPr>
               <a:t>false</a:t>
             </a:r>
             <a:r>
               <a:rPr lang="ru-RU" sz="2400" dirty="0">
-                <a:solidFill>
-                  <a:srgbClr val="000000"/>
-                </a:solidFill>
                 <a:latin typeface="Bookman Old Style" panose="02050604050505020204" pitchFamily="18" charset="0"/>
               </a:rPr>
               <a:t>, и преобразование не сработает.</a:t>
             </a:r>
             <a:endParaRPr lang="en-US" sz="2400" dirty="0" smtClean="0">
-              <a:solidFill>
-                <a:srgbClr val="000000"/>
-              </a:solidFill>
               <a:latin typeface="Bookman Old Style" panose="02050604050505020204" pitchFamily="18" charset="0"/>
             </a:endParaRPr>
           </a:p>
@@ -31923,7 +32185,7 @@
             <a:r>
               <a:rPr lang="en-US" sz="2400" dirty="0" err="1">
                 <a:solidFill>
-                  <a:srgbClr val="000000"/>
+                  <a:srgbClr val="2B91AF"/>
                 </a:solidFill>
                 <a:latin typeface="Cascadia Mono" panose="020B0609020000020004" pitchFamily="49" charset="0"/>
               </a:rPr>
@@ -31931,7 +32193,7 @@
             </a:r>
             <a:endParaRPr lang="en-US" sz="2400" dirty="0">
               <a:solidFill>
-                <a:srgbClr val="000000"/>
+                <a:srgbClr val="2B91AF"/>
               </a:solidFill>
               <a:latin typeface="Cascadia Mono" panose="020B0609020000020004" pitchFamily="49" charset="0"/>
             </a:endParaRPr>
@@ -32087,7 +32349,7 @@
             <a:r>
               <a:rPr lang="en-US" sz="2400" dirty="0" err="1">
                 <a:solidFill>
-                  <a:srgbClr val="000000"/>
+                  <a:srgbClr val="2B91AF"/>
                 </a:solidFill>
                 <a:latin typeface="Cascadia Mono" panose="020B0609020000020004" pitchFamily="49" charset="0"/>
               </a:rPr>
@@ -32095,7 +32357,7 @@
             </a:r>
             <a:endParaRPr lang="en-US" sz="2400" dirty="0">
               <a:solidFill>
-                <a:srgbClr val="000000"/>
+                <a:srgbClr val="2B91AF"/>
               </a:solidFill>
               <a:latin typeface="Cascadia Mono" panose="020B0609020000020004" pitchFamily="49" charset="0"/>
             </a:endParaRPr>
@@ -32501,7 +32763,7 @@
             <a:r>
               <a:rPr lang="en-US" sz="2400" dirty="0" err="1">
                 <a:solidFill>
-                  <a:srgbClr val="000000"/>
+                  <a:srgbClr val="2B91AF"/>
                 </a:solidFill>
                 <a:latin typeface="Cascadia Mono" panose="020B0609020000020004" pitchFamily="49" charset="0"/>
               </a:rPr>
@@ -32532,14 +32794,32 @@
                 </a:solidFill>
                 <a:latin typeface="Cascadia Mono" panose="020B0609020000020004" pitchFamily="49" charset="0"/>
               </a:rPr>
-              <a:t> Player();</a:t>
+              <a:t> </a:t>
+            </a:r>
+            <a:r>
+              <a:rPr lang="en-US" sz="2400" dirty="0">
+                <a:solidFill>
+                  <a:srgbClr val="2B91AF"/>
+                </a:solidFill>
+                <a:latin typeface="Cascadia Mono" panose="020B0609020000020004" pitchFamily="49" charset="0"/>
+              </a:rPr>
+              <a:t>Player</a:t>
+            </a:r>
+            <a:r>
+              <a:rPr lang="en-US" sz="2400" dirty="0">
+                <a:solidFill>
+                  <a:srgbClr val="000000"/>
+                </a:solidFill>
+                <a:latin typeface="Cascadia Mono" panose="020B0609020000020004" pitchFamily="49" charset="0"/>
+              </a:rPr>
+              <a:t>();</a:t>
             </a:r>
           </a:p>
           <a:p>
             <a:r>
               <a:rPr lang="en-US" sz="2400" dirty="0" err="1">
                 <a:solidFill>
-                  <a:srgbClr val="000000"/>
+                  <a:srgbClr val="2B91AF"/>
                 </a:solidFill>
                 <a:latin typeface="Cascadia Mono" panose="020B0609020000020004" pitchFamily="49" charset="0"/>
               </a:rPr>
@@ -32570,7 +32850,25 @@
                 </a:solidFill>
                 <a:latin typeface="Cascadia Mono" panose="020B0609020000020004" pitchFamily="49" charset="0"/>
               </a:rPr>
-              <a:t> Bomb();</a:t>
+              <a:t> </a:t>
+            </a:r>
+            <a:r>
+              <a:rPr lang="en-US" sz="2400" dirty="0">
+                <a:solidFill>
+                  <a:srgbClr val="2B91AF"/>
+                </a:solidFill>
+                <a:latin typeface="Cascadia Mono" panose="020B0609020000020004" pitchFamily="49" charset="0"/>
+              </a:rPr>
+              <a:t>Bomb</a:t>
+            </a:r>
+            <a:r>
+              <a:rPr lang="en-US" sz="2400" dirty="0">
+                <a:solidFill>
+                  <a:srgbClr val="000000"/>
+                </a:solidFill>
+                <a:latin typeface="Cascadia Mono" panose="020B0609020000020004" pitchFamily="49" charset="0"/>
+              </a:rPr>
+              <a:t>();</a:t>
             </a:r>
           </a:p>
           <a:p>
@@ -32616,12 +32914,30 @@
                 </a:solidFill>
                 <a:latin typeface="Cascadia Mono" panose="020B0609020000020004" pitchFamily="49" charset="0"/>
               </a:rPr>
-              <a:t> List&lt;</a:t>
+              <a:t> </a:t>
+            </a:r>
+            <a:r>
+              <a:rPr lang="en-US" sz="2400" dirty="0">
+                <a:solidFill>
+                  <a:srgbClr val="2B91AF"/>
+                </a:solidFill>
+                <a:latin typeface="Cascadia Mono" panose="020B0609020000020004" pitchFamily="49" charset="0"/>
+              </a:rPr>
+              <a:t>List</a:t>
+            </a:r>
+            <a:r>
+              <a:rPr lang="en-US" sz="2400" dirty="0">
+                <a:solidFill>
+                  <a:srgbClr val="000000"/>
+                </a:solidFill>
+                <a:latin typeface="Cascadia Mono" panose="020B0609020000020004" pitchFamily="49" charset="0"/>
+              </a:rPr>
+              <a:t>&lt;</a:t>
             </a:r>
             <a:r>
               <a:rPr lang="en-US" sz="2400" dirty="0" err="1">
                 <a:solidFill>
-                  <a:srgbClr val="000000"/>
+                  <a:srgbClr val="2B91AF"/>
                 </a:solidFill>
                 <a:latin typeface="Cascadia Mono" panose="020B0609020000020004" pitchFamily="49" charset="0"/>
               </a:rPr>
@@ -32756,7 +33072,25 @@
                 </a:solidFill>
                 <a:latin typeface="Cascadia Mono" panose="020B0609020000020004" pitchFamily="49" charset="0"/>
               </a:rPr>
-              <a:t> Player p)</a:t>
+              <a:t> </a:t>
+            </a:r>
+            <a:r>
+              <a:rPr lang="en-US" sz="2400" dirty="0">
+                <a:solidFill>
+                  <a:srgbClr val="2B91AF"/>
+                </a:solidFill>
+                <a:latin typeface="Cascadia Mono" panose="020B0609020000020004" pitchFamily="49" charset="0"/>
+              </a:rPr>
+              <a:t>Player</a:t>
+            </a:r>
+            <a:r>
+              <a:rPr lang="en-US" sz="2400" dirty="0">
+                <a:solidFill>
+                  <a:srgbClr val="000000"/>
+                </a:solidFill>
+                <a:latin typeface="Cascadia Mono" panose="020B0609020000020004" pitchFamily="49" charset="0"/>
+              </a:rPr>
+              <a:t> p)</a:t>
             </a:r>
           </a:p>
           <a:p>
@@ -32772,11 +33106,20 @@
             <a:r>
               <a:rPr lang="en-US" sz="2400" dirty="0" err="1">
                 <a:solidFill>
-                  <a:srgbClr val="000000"/>
-                </a:solidFill>
-                <a:latin typeface="Cascadia Mono" panose="020B0609020000020004" pitchFamily="49" charset="0"/>
-              </a:rPr>
-              <a:t>Console.WriteLine</a:t>
+                  <a:srgbClr val="2B91AF"/>
+                </a:solidFill>
+                <a:latin typeface="Cascadia Mono" panose="020B0609020000020004" pitchFamily="49" charset="0"/>
+              </a:rPr>
+              <a:t>Console</a:t>
+            </a:r>
+            <a:r>
+              <a:rPr lang="en-US" sz="2400" dirty="0" err="1">
+                <a:solidFill>
+                  <a:srgbClr val="000000"/>
+                </a:solidFill>
+                <a:latin typeface="Cascadia Mono" panose="020B0609020000020004" pitchFamily="49" charset="0"/>
+              </a:rPr>
+              <a:t>.WriteLine</a:t>
             </a:r>
             <a:r>
               <a:rPr lang="en-US" sz="2400" dirty="0">
@@ -32911,11 +33254,20 @@
             <a:r>
               <a:rPr lang="en-US" sz="2400" dirty="0" err="1">
                 <a:solidFill>
-                  <a:srgbClr val="000000"/>
-                </a:solidFill>
-                <a:latin typeface="Cascadia Mono" panose="020B0609020000020004" pitchFamily="49" charset="0"/>
-              </a:rPr>
-              <a:t>Console.WriteLine</a:t>
+                  <a:srgbClr val="2B91AF"/>
+                </a:solidFill>
+                <a:latin typeface="Cascadia Mono" panose="020B0609020000020004" pitchFamily="49" charset="0"/>
+              </a:rPr>
+              <a:t>Console</a:t>
+            </a:r>
+            <a:r>
+              <a:rPr lang="en-US" sz="2400" dirty="0" err="1">
+                <a:solidFill>
+                  <a:srgbClr val="000000"/>
+                </a:solidFill>
+                <a:latin typeface="Cascadia Mono" panose="020B0609020000020004" pitchFamily="49" charset="0"/>
+              </a:rPr>
+              <a:t>.WriteLine</a:t>
             </a:r>
             <a:r>
               <a:rPr lang="en-US" sz="2400" dirty="0">
@@ -36537,11 +36889,20 @@
             <a:r>
               <a:rPr lang="en-US" sz="2400" dirty="0">
                 <a:solidFill>
-                  <a:srgbClr val="000000"/>
-                </a:solidFill>
-                <a:latin typeface="Cascadia Mono" panose="020B0609020000020004" pitchFamily="49" charset="0"/>
-              </a:rPr>
-              <a:t>List&lt;</a:t>
+                  <a:srgbClr val="2B91AF"/>
+                </a:solidFill>
+                <a:latin typeface="Cascadia Mono" panose="020B0609020000020004" pitchFamily="49" charset="0"/>
+              </a:rPr>
+              <a:t>List</a:t>
+            </a:r>
+            <a:r>
+              <a:rPr lang="en-US" sz="2400" dirty="0">
+                <a:solidFill>
+                  <a:srgbClr val="000000"/>
+                </a:solidFill>
+                <a:latin typeface="Cascadia Mono" panose="020B0609020000020004" pitchFamily="49" charset="0"/>
+              </a:rPr>
+              <a:t>&lt;</a:t>
             </a:r>
             <a:r>
               <a:rPr lang="en-US" sz="2400" dirty="0">
@@ -36577,7 +36938,25 @@
                 </a:solidFill>
                 <a:latin typeface="Cascadia Mono" panose="020B0609020000020004" pitchFamily="49" charset="0"/>
               </a:rPr>
-              <a:t> List&lt;</a:t>
+              <a:t> </a:t>
+            </a:r>
+            <a:r>
+              <a:rPr lang="en-US" sz="2400" dirty="0">
+                <a:solidFill>
+                  <a:srgbClr val="2B91AF"/>
+                </a:solidFill>
+                <a:latin typeface="Cascadia Mono" panose="020B0609020000020004" pitchFamily="49" charset="0"/>
+              </a:rPr>
+              <a:t>List</a:t>
+            </a:r>
+            <a:r>
+              <a:rPr lang="en-US" sz="2400" dirty="0">
+                <a:solidFill>
+                  <a:srgbClr val="000000"/>
+                </a:solidFill>
+                <a:latin typeface="Cascadia Mono" panose="020B0609020000020004" pitchFamily="49" charset="0"/>
+              </a:rPr>
+              <a:t>&lt;</a:t>
             </a:r>
             <a:r>
               <a:rPr lang="en-US" sz="2400" dirty="0">
@@ -36738,7 +37117,7 @@
         <p:spPr>
           <a:xfrm>
             <a:off x="236220" y="0"/>
-            <a:ext cx="11666220" cy="1691682"/>
+            <a:ext cx="11666220" cy="1754326"/>
           </a:xfrm>
           <a:prstGeom prst="rect">
             <a:avLst/>
@@ -37724,7 +38103,25 @@
                 </a:solidFill>
                 <a:latin typeface="Cascadia Mono" panose="020B0609020000020004" pitchFamily="49" charset="0"/>
               </a:rPr>
-              <a:t> Add(T item)</a:t>
+              <a:t> Add(</a:t>
+            </a:r>
+            <a:r>
+              <a:rPr lang="en-US" sz="2400" dirty="0">
+                <a:solidFill>
+                  <a:srgbClr val="2B91AF"/>
+                </a:solidFill>
+                <a:latin typeface="Cascadia Mono" panose="020B0609020000020004" pitchFamily="49" charset="0"/>
+              </a:rPr>
+              <a:t>T</a:t>
+            </a:r>
+            <a:r>
+              <a:rPr lang="en-US" sz="2400" dirty="0">
+                <a:solidFill>
+                  <a:srgbClr val="000000"/>
+                </a:solidFill>
+                <a:latin typeface="Cascadia Mono" panose="020B0609020000020004" pitchFamily="49" charset="0"/>
+              </a:rPr>
+              <a:t> item)</a:t>
             </a:r>
           </a:p>
           <a:p>
@@ -38292,9 +38689,9 @@
           <a:lstStyle/>
           <a:p>
             <a:r>
-              <a:rPr lang="en-US" sz="2400" dirty="0" err="1" smtClean="0">
-                <a:solidFill>
-                  <a:srgbClr val="000000"/>
+              <a:rPr lang="en-US" sz="2400" dirty="0" err="1">
+                <a:solidFill>
+                  <a:srgbClr val="2B91AF"/>
                 </a:solidFill>
                 <a:latin typeface="Cascadia Mono" panose="020B0609020000020004" pitchFamily="49" charset="0"/>
               </a:rPr>
@@ -38348,7 +38745,7 @@
             <a:r>
               <a:rPr lang="en-US" sz="2400" dirty="0" err="1">
                 <a:solidFill>
-                  <a:srgbClr val="000000"/>
+                  <a:srgbClr val="2B91AF"/>
                 </a:solidFill>
                 <a:latin typeface="Cascadia Mono" panose="020B0609020000020004" pitchFamily="49" charset="0"/>
               </a:rPr>
@@ -38591,7 +38988,7 @@
         <p:spPr>
           <a:xfrm>
             <a:off x="247650" y="654356"/>
-            <a:ext cx="11696700" cy="6186309"/>
+            <a:ext cx="11696700" cy="6247864"/>
           </a:xfrm>
           <a:prstGeom prst="rect">
             <a:avLst/>
@@ -38675,7 +39072,25 @@
                 </a:solidFill>
                 <a:latin typeface="Cascadia Mono" panose="020B0609020000020004" pitchFamily="49" charset="0"/>
               </a:rPr>
-              <a:t> T </a:t>
+              <a:t> </a:t>
+            </a:r>
+            <a:r>
+              <a:rPr lang="en-US" sz="2400" dirty="0">
+                <a:solidFill>
+                  <a:srgbClr val="2B91AF"/>
+                </a:solidFill>
+                <a:latin typeface="Cascadia Mono" panose="020B0609020000020004" pitchFamily="49" charset="0"/>
+              </a:rPr>
+              <a:t>T</a:t>
+            </a:r>
+            <a:r>
+              <a:rPr lang="en-US" sz="2200" dirty="0">
+                <a:solidFill>
+                  <a:srgbClr val="000000"/>
+                </a:solidFill>
+                <a:latin typeface="Cascadia Mono" panose="020B0609020000020004" pitchFamily="49" charset="0"/>
+              </a:rPr>
+              <a:t> </a:t>
             </a:r>
             <a:r>
               <a:rPr lang="en-US" sz="2200" dirty="0">
@@ -38834,9 +39249,9 @@
               <a:t> </a:t>
             </a:r>
             <a:r>
-              <a:rPr lang="en-US" sz="2200" dirty="0" err="1">
-                <a:solidFill>
-                  <a:srgbClr val="000000"/>
+              <a:rPr lang="en-US" sz="2400" dirty="0" err="1">
+                <a:solidFill>
+                  <a:srgbClr val="2B91AF"/>
                 </a:solidFill>
                 <a:latin typeface="Cascadia Mono" panose="020B0609020000020004" pitchFamily="49" charset="0"/>
               </a:rPr>
@@ -38888,9 +39303,9 @@
               <a:t> </a:t>
             </a:r>
             <a:r>
-              <a:rPr lang="en-US" sz="2200" dirty="0" err="1">
-                <a:solidFill>
-                  <a:srgbClr val="000000"/>
+              <a:rPr lang="en-US" sz="2400" dirty="0" err="1">
+                <a:solidFill>
+                  <a:srgbClr val="2B91AF"/>
                 </a:solidFill>
                 <a:latin typeface="Cascadia Mono" panose="020B0609020000020004" pitchFamily="49" charset="0"/>
               </a:rPr>
@@ -39298,7 +39713,25 @@
                 </a:solidFill>
                 <a:latin typeface="Cascadia Mono" panose="020B0609020000020004" pitchFamily="49" charset="0"/>
               </a:rPr>
-              <a:t> T : </a:t>
+              <a:t> </a:t>
+            </a:r>
+            <a:r>
+              <a:rPr lang="en-US" sz="2400" dirty="0">
+                <a:solidFill>
+                  <a:srgbClr val="2B91AF"/>
+                </a:solidFill>
+                <a:latin typeface="Cascadia Mono" panose="020B0609020000020004" pitchFamily="49" charset="0"/>
+              </a:rPr>
+              <a:t>T</a:t>
+            </a:r>
+            <a:r>
+              <a:rPr lang="en-US" sz="2400" dirty="0">
+                <a:solidFill>
+                  <a:srgbClr val="000000"/>
+                </a:solidFill>
+                <a:latin typeface="Cascadia Mono" panose="020B0609020000020004" pitchFamily="49" charset="0"/>
+              </a:rPr>
+              <a:t> : </a:t>
             </a:r>
             <a:r>
               <a:rPr lang="en-US" sz="2400" dirty="0">

--- a/Лекции/ИТиП 2 лек 3.pptx
+++ b/Лекции/ИТиП 2 лек 3.pptx
@@ -287,7 +287,7 @@
             <a:fld id="{AA2F9473-F066-431E-A6E8-1D478C995A6B}" type="datetimeFigureOut">
               <a:rPr lang="en-US" smtClean="0"/>
               <a:pPr/>
-              <a:t>3/12/2025</a:t>
+              <a:t>3/21/2025</a:t>
             </a:fld>
             <a:endParaRPr lang="en-US"/>
           </a:p>
@@ -7640,7 +7640,7 @@
           <p:cNvPr id="9" name="Номер слайда 3">
             <a:extLst>
               <a:ext uri="{FF2B5EF4-FFF2-40B4-BE49-F238E27FC236}">
-                <a16:creationId xmlns:a16="http://schemas.microsoft.com/office/drawing/2014/main" id="{3DF48714-7FE4-4364-BF9D-28B9C9E2979D}"/>
+                <a16:creationId xmlns:a16="http://schemas.microsoft.com/office/drawing/2014/main" xmlns="" id="{3DF48714-7FE4-4364-BF9D-28B9C9E2979D}"/>
               </a:ext>
             </a:extLst>
           </p:cNvPr>
@@ -7779,7 +7779,7 @@
           <p:cNvPr id="7" name="Номер слайда 3">
             <a:extLst>
               <a:ext uri="{FF2B5EF4-FFF2-40B4-BE49-F238E27FC236}">
-                <a16:creationId xmlns:a16="http://schemas.microsoft.com/office/drawing/2014/main" id="{3DF48714-7FE4-4364-BF9D-28B9C9E2979D}"/>
+                <a16:creationId xmlns:a16="http://schemas.microsoft.com/office/drawing/2014/main" xmlns="" id="{3DF48714-7FE4-4364-BF9D-28B9C9E2979D}"/>
               </a:ext>
             </a:extLst>
           </p:cNvPr>
@@ -8061,7 +8061,7 @@
           <p:cNvPr id="9" name="Номер слайда 3">
             <a:extLst>
               <a:ext uri="{FF2B5EF4-FFF2-40B4-BE49-F238E27FC236}">
-                <a16:creationId xmlns:a16="http://schemas.microsoft.com/office/drawing/2014/main" id="{3DF48714-7FE4-4364-BF9D-28B9C9E2979D}"/>
+                <a16:creationId xmlns:a16="http://schemas.microsoft.com/office/drawing/2014/main" xmlns="" id="{3DF48714-7FE4-4364-BF9D-28B9C9E2979D}"/>
               </a:ext>
             </a:extLst>
           </p:cNvPr>
@@ -8460,7 +8460,7 @@
         </p:nvSpPr>
         <p:spPr>
           <a:xfrm>
-            <a:off x="0" y="670626"/>
+            <a:off x="0" y="190566"/>
             <a:ext cx="12192000" cy="1569658"/>
           </a:xfrm>
           <a:prstGeom prst="rect">
@@ -8527,7 +8527,7 @@
           <p:cNvPr id="17" name="Заголовок 16">
             <a:extLst>
               <a:ext uri="{FF2B5EF4-FFF2-40B4-BE49-F238E27FC236}">
-                <a16:creationId xmlns:a16="http://schemas.microsoft.com/office/drawing/2014/main" id="{D630362D-1F09-46B4-9DE4-AEA483AC82FD}"/>
+                <a16:creationId xmlns:a16="http://schemas.microsoft.com/office/drawing/2014/main" xmlns="" id="{D630362D-1F09-46B4-9DE4-AEA483AC82FD}"/>
               </a:ext>
             </a:extLst>
           </p:cNvPr>
@@ -8540,7 +8540,7 @@
         </p:nvSpPr>
         <p:spPr>
           <a:xfrm>
-            <a:off x="877031" y="2240284"/>
+            <a:off x="877031" y="1760224"/>
             <a:ext cx="8978016" cy="2089563"/>
           </a:xfrm>
         </p:spPr>
@@ -8754,7 +8754,7 @@
           <p:cNvPr id="12" name="TextBox 11">
             <a:extLst>
               <a:ext uri="{FF2B5EF4-FFF2-40B4-BE49-F238E27FC236}">
-                <a16:creationId xmlns:a16="http://schemas.microsoft.com/office/drawing/2014/main" id="{F7B00361-5492-4290-B470-295172C16526}"/>
+                <a16:creationId xmlns:a16="http://schemas.microsoft.com/office/drawing/2014/main" xmlns="" id="{F7B00361-5492-4290-B470-295172C16526}"/>
               </a:ext>
             </a:extLst>
           </p:cNvPr>
@@ -8763,8 +8763,8 @@
         </p:nvSpPr>
         <p:spPr>
           <a:xfrm>
-            <a:off x="877031" y="4329847"/>
-            <a:ext cx="11041341" cy="1815882"/>
+            <a:off x="877031" y="3849787"/>
+            <a:ext cx="11041341" cy="2246769"/>
           </a:xfrm>
           <a:prstGeom prst="rect">
             <a:avLst/>
@@ -8864,6 +8864,36 @@
                 <a:cs typeface="Times New Roman" panose="02020603050405020304" pitchFamily="18" charset="0"/>
               </a:rPr>
               <a:t>Сокрытие</a:t>
+            </a:r>
+          </a:p>
+          <a:p>
+            <a:pPr marL="285750" indent="-285750">
+              <a:buFont typeface="Arial" panose="020B0604020202020204" pitchFamily="34" charset="0"/>
+              <a:buChar char="•"/>
+            </a:pPr>
+            <a:r>
+              <a:rPr lang="ru-RU" sz="2800" smtClean="0">
+                <a:solidFill>
+                  <a:schemeClr val="tx2">
+                    <a:lumMod val="50000"/>
+                  </a:schemeClr>
+                </a:solidFill>
+                <a:latin typeface="Bookman Old Style" panose="02050604050505020204" pitchFamily="18" charset="0"/>
+                <a:cs typeface="Times New Roman" panose="02020603050405020304" pitchFamily="18" charset="0"/>
+              </a:rPr>
+              <a:t>Обобщенные </a:t>
+            </a:r>
+            <a:r>
+              <a:rPr lang="ru-RU" sz="2800" dirty="0" smtClean="0">
+                <a:solidFill>
+                  <a:schemeClr val="tx2">
+                    <a:lumMod val="50000"/>
+                  </a:schemeClr>
+                </a:solidFill>
+                <a:latin typeface="Bookman Old Style" panose="02050604050505020204" pitchFamily="18" charset="0"/>
+                <a:cs typeface="Times New Roman" panose="02020603050405020304" pitchFamily="18" charset="0"/>
+              </a:rPr>
+              <a:t>типы</a:t>
             </a:r>
             <a:endParaRPr lang="en-US" sz="2800" dirty="0" smtClean="0">
               <a:solidFill>
@@ -11812,17 +11842,7 @@
                 <a:latin typeface="Cascadia Mono" panose="020B0609020000020004" pitchFamily="49" charset="0"/>
                 <a:cs typeface="Cascadia Mono" panose="020B0609020000020004" pitchFamily="49" charset="0"/>
               </a:rPr>
-              <a:t>) =&gt; a + b + c</a:t>
-            </a:r>
-            <a:r>
-              <a:rPr lang="en-US" sz="2400" dirty="0" smtClean="0">
-                <a:solidFill>
-                  <a:srgbClr val="222222"/>
-                </a:solidFill>
-                <a:latin typeface="Cascadia Mono" panose="020B0609020000020004" pitchFamily="49" charset="0"/>
-                <a:cs typeface="Cascadia Mono" panose="020B0609020000020004" pitchFamily="49" charset="0"/>
-              </a:rPr>
-              <a:t>;</a:t>
+              <a:t>) =&gt; a + b + c;</a:t>
             </a:r>
             <a:endParaRPr lang="en-US" sz="2400" b="1" dirty="0">
               <a:solidFill>
@@ -27740,16 +27760,7 @@
                 </a:solidFill>
                 <a:latin typeface="Cascadia Mono" panose="020B0609020000020004" pitchFamily="49" charset="0"/>
               </a:rPr>
-              <a:t> </a:t>
-            </a:r>
-            <a:r>
-              <a:rPr lang="en-US" sz="2400" dirty="0">
-                <a:solidFill>
-                  <a:srgbClr val="008000"/>
-                </a:solidFill>
-                <a:latin typeface="Cascadia Mono" panose="020B0609020000020004" pitchFamily="49" charset="0"/>
-              </a:rPr>
-              <a:t>Person к </a:t>
+              <a:t> Person к </a:t>
             </a:r>
             <a:r>
               <a:rPr lang="en-US" sz="2400" dirty="0" smtClean="0">
